--- a/圖片製作.pptx
+++ b/圖片製作.pptx
@@ -5,11 +5,10 @@
     <p:sldMasterId id="2147483648" r:id="rId1"/>
   </p:sldMasterIdLst>
   <p:sldIdLst>
-    <p:sldId id="256" r:id="rId2"/>
-    <p:sldId id="257" r:id="rId3"/>
-    <p:sldId id="258" r:id="rId4"/>
-    <p:sldId id="259" r:id="rId5"/>
-    <p:sldId id="260" r:id="rId6"/>
+    <p:sldId id="257" r:id="rId2"/>
+    <p:sldId id="258" r:id="rId3"/>
+    <p:sldId id="259" r:id="rId4"/>
+    <p:sldId id="260" r:id="rId5"/>
   </p:sldIdLst>
   <p:sldSz cx="12192000" cy="6858000"/>
   <p:notesSz cx="6858000" cy="9144000"/>
@@ -108,6 +107,11 @@
       </a:defRPr>
     </a:lvl9pPr>
   </p:defaultTextStyle>
+  <p:extLst>
+    <p:ext uri="{EFAFB233-063F-42B5-8137-9DF3F51BA10A}">
+      <p15:sldGuideLst xmlns:p15="http://schemas.microsoft.com/office/powerpoint/2012/main"/>
+    </p:ext>
+  </p:extLst>
 </p:presentation>
 </file>
 
@@ -258,7 +262,7 @@
           <a:p>
             <a:fld id="{736941B5-F94D-4F90-B8E7-367B548187DE}" type="datetimeFigureOut">
               <a:rPr lang="zh-TW" altLang="en-US" smtClean="0"/>
-              <a:t>2023/12/7</a:t>
+              <a:t>2023/12/9</a:t>
             </a:fld>
             <a:endParaRPr lang="zh-TW" altLang="en-US"/>
           </a:p>
@@ -456,7 +460,7 @@
           <a:p>
             <a:fld id="{736941B5-F94D-4F90-B8E7-367B548187DE}" type="datetimeFigureOut">
               <a:rPr lang="zh-TW" altLang="en-US" smtClean="0"/>
-              <a:t>2023/12/7</a:t>
+              <a:t>2023/12/9</a:t>
             </a:fld>
             <a:endParaRPr lang="zh-TW" altLang="en-US"/>
           </a:p>
@@ -664,7 +668,7 @@
           <a:p>
             <a:fld id="{736941B5-F94D-4F90-B8E7-367B548187DE}" type="datetimeFigureOut">
               <a:rPr lang="zh-TW" altLang="en-US" smtClean="0"/>
-              <a:t>2023/12/7</a:t>
+              <a:t>2023/12/9</a:t>
             </a:fld>
             <a:endParaRPr lang="zh-TW" altLang="en-US"/>
           </a:p>
@@ -862,7 +866,7 @@
           <a:p>
             <a:fld id="{736941B5-F94D-4F90-B8E7-367B548187DE}" type="datetimeFigureOut">
               <a:rPr lang="zh-TW" altLang="en-US" smtClean="0"/>
-              <a:t>2023/12/7</a:t>
+              <a:t>2023/12/9</a:t>
             </a:fld>
             <a:endParaRPr lang="zh-TW" altLang="en-US"/>
           </a:p>
@@ -1137,7 +1141,7 @@
           <a:p>
             <a:fld id="{736941B5-F94D-4F90-B8E7-367B548187DE}" type="datetimeFigureOut">
               <a:rPr lang="zh-TW" altLang="en-US" smtClean="0"/>
-              <a:t>2023/12/7</a:t>
+              <a:t>2023/12/9</a:t>
             </a:fld>
             <a:endParaRPr lang="zh-TW" altLang="en-US"/>
           </a:p>
@@ -1402,7 +1406,7 @@
           <a:p>
             <a:fld id="{736941B5-F94D-4F90-B8E7-367B548187DE}" type="datetimeFigureOut">
               <a:rPr lang="zh-TW" altLang="en-US" smtClean="0"/>
-              <a:t>2023/12/7</a:t>
+              <a:t>2023/12/9</a:t>
             </a:fld>
             <a:endParaRPr lang="zh-TW" altLang="en-US"/>
           </a:p>
@@ -1814,7 +1818,7 @@
           <a:p>
             <a:fld id="{736941B5-F94D-4F90-B8E7-367B548187DE}" type="datetimeFigureOut">
               <a:rPr lang="zh-TW" altLang="en-US" smtClean="0"/>
-              <a:t>2023/12/7</a:t>
+              <a:t>2023/12/9</a:t>
             </a:fld>
             <a:endParaRPr lang="zh-TW" altLang="en-US"/>
           </a:p>
@@ -1955,7 +1959,7 @@
           <a:p>
             <a:fld id="{736941B5-F94D-4F90-B8E7-367B548187DE}" type="datetimeFigureOut">
               <a:rPr lang="zh-TW" altLang="en-US" smtClean="0"/>
-              <a:t>2023/12/7</a:t>
+              <a:t>2023/12/9</a:t>
             </a:fld>
             <a:endParaRPr lang="zh-TW" altLang="en-US"/>
           </a:p>
@@ -2068,7 +2072,7 @@
           <a:p>
             <a:fld id="{736941B5-F94D-4F90-B8E7-367B548187DE}" type="datetimeFigureOut">
               <a:rPr lang="zh-TW" altLang="en-US" smtClean="0"/>
-              <a:t>2023/12/7</a:t>
+              <a:t>2023/12/9</a:t>
             </a:fld>
             <a:endParaRPr lang="zh-TW" altLang="en-US"/>
           </a:p>
@@ -2379,7 +2383,7 @@
           <a:p>
             <a:fld id="{736941B5-F94D-4F90-B8E7-367B548187DE}" type="datetimeFigureOut">
               <a:rPr lang="zh-TW" altLang="en-US" smtClean="0"/>
-              <a:t>2023/12/7</a:t>
+              <a:t>2023/12/9</a:t>
             </a:fld>
             <a:endParaRPr lang="zh-TW" altLang="en-US"/>
           </a:p>
@@ -2667,7 +2671,7 @@
           <a:p>
             <a:fld id="{736941B5-F94D-4F90-B8E7-367B548187DE}" type="datetimeFigureOut">
               <a:rPr lang="zh-TW" altLang="en-US" smtClean="0"/>
-              <a:t>2023/12/7</a:t>
+              <a:t>2023/12/9</a:t>
             </a:fld>
             <a:endParaRPr lang="zh-TW" altLang="en-US"/>
           </a:p>
@@ -2908,7 +2912,7 @@
           <a:p>
             <a:fld id="{736941B5-F94D-4F90-B8E7-367B548187DE}" type="datetimeFigureOut">
               <a:rPr lang="zh-TW" altLang="en-US" smtClean="0"/>
-              <a:t>2023/12/7</a:t>
+              <a:t>2023/12/9</a:t>
             </a:fld>
             <a:endParaRPr lang="zh-TW" altLang="en-US"/>
           </a:p>
@@ -3327,86 +3331,6 @@
       </p:grpSpPr>
       <p:sp>
         <p:nvSpPr>
-          <p:cNvPr id="2" name="標題 1">
-            <a:extLst>
-              <a:ext uri="{FF2B5EF4-FFF2-40B4-BE49-F238E27FC236}">
-                <a16:creationId xmlns:a16="http://schemas.microsoft.com/office/drawing/2014/main" id="{885466BB-417C-4094-98F9-A7FF6242166C}"/>
-              </a:ext>
-            </a:extLst>
-          </p:cNvPr>
-          <p:cNvSpPr>
-            <a:spLocks noGrp="1"/>
-          </p:cNvSpPr>
-          <p:nvPr>
-            <p:ph type="ctrTitle"/>
-          </p:nvPr>
-        </p:nvSpPr>
-        <p:spPr/>
-        <p:txBody>
-          <a:bodyPr/>
-          <a:lstStyle/>
-          <a:p>
-            <a:endParaRPr lang="zh-TW" altLang="en-US"/>
-          </a:p>
-        </p:txBody>
-      </p:sp>
-      <p:sp>
-        <p:nvSpPr>
-          <p:cNvPr id="3" name="副標題 2">
-            <a:extLst>
-              <a:ext uri="{FF2B5EF4-FFF2-40B4-BE49-F238E27FC236}">
-                <a16:creationId xmlns:a16="http://schemas.microsoft.com/office/drawing/2014/main" id="{AA54BC7E-EEA9-4CB9-B0BF-F4D1915F50FB}"/>
-              </a:ext>
-            </a:extLst>
-          </p:cNvPr>
-          <p:cNvSpPr>
-            <a:spLocks noGrp="1"/>
-          </p:cNvSpPr>
-          <p:nvPr>
-            <p:ph type="subTitle" idx="1"/>
-          </p:nvPr>
-        </p:nvSpPr>
-        <p:spPr/>
-        <p:txBody>
-          <a:bodyPr/>
-          <a:lstStyle/>
-          <a:p>
-            <a:endParaRPr lang="zh-TW" altLang="en-US"/>
-          </a:p>
-        </p:txBody>
-      </p:sp>
-    </p:spTree>
-    <p:extLst>
-      <p:ext uri="{BB962C8B-B14F-4D97-AF65-F5344CB8AC3E}">
-        <p14:creationId xmlns:p14="http://schemas.microsoft.com/office/powerpoint/2010/main" val="2832292299"/>
-      </p:ext>
-    </p:extLst>
-  </p:cSld>
-  <p:clrMapOvr>
-    <a:masterClrMapping/>
-  </p:clrMapOvr>
-</p:sld>
-</file>
-
-<file path=ppt/slides/slide2.xml><?xml version="1.0" encoding="utf-8"?>
-<p:sld xmlns:a="http://schemas.openxmlformats.org/drawingml/2006/main" xmlns:r="http://schemas.openxmlformats.org/officeDocument/2006/relationships" xmlns:p="http://schemas.openxmlformats.org/presentationml/2006/main">
-  <p:cSld>
-    <p:spTree>
-      <p:nvGrpSpPr>
-        <p:cNvPr id="1" name=""/>
-        <p:cNvGrpSpPr/>
-        <p:nvPr/>
-      </p:nvGrpSpPr>
-      <p:grpSpPr>
-        <a:xfrm>
-          <a:off x="0" y="0"/>
-          <a:ext cx="0" cy="0"/>
-          <a:chOff x="0" y="0"/>
-          <a:chExt cx="0" cy="0"/>
-        </a:xfrm>
-      </p:grpSpPr>
-      <p:sp>
-        <p:nvSpPr>
           <p:cNvPr id="2" name="矩形: 圓角 1">
             <a:extLst>
               <a:ext uri="{FF2B5EF4-FFF2-40B4-BE49-F238E27FC236}">
@@ -4044,7 +3968,7 @@
 </p:sld>
 </file>
 
-<file path=ppt/slides/slide3.xml><?xml version="1.0" encoding="utf-8"?>
+<file path=ppt/slides/slide2.xml><?xml version="1.0" encoding="utf-8"?>
 <p:sld xmlns:a="http://schemas.openxmlformats.org/drawingml/2006/main" xmlns:r="http://schemas.openxmlformats.org/officeDocument/2006/relationships" xmlns:p="http://schemas.openxmlformats.org/presentationml/2006/main">
   <p:cSld>
     <p:spTree>
@@ -4593,7 +4517,7 @@
 </p:sld>
 </file>
 
-<file path=ppt/slides/slide4.xml><?xml version="1.0" encoding="utf-8"?>
+<file path=ppt/slides/slide3.xml><?xml version="1.0" encoding="utf-8"?>
 <p:sld xmlns:a="http://schemas.openxmlformats.org/drawingml/2006/main" xmlns:r="http://schemas.openxmlformats.org/officeDocument/2006/relationships" xmlns:p="http://schemas.openxmlformats.org/presentationml/2006/main">
   <p:cSld>
     <p:spTree>
@@ -4624,7 +4548,7 @@
         </p:nvSpPr>
         <p:spPr>
           <a:xfrm>
-            <a:off x="2810313" y="1375793"/>
+            <a:off x="2810313" y="595617"/>
             <a:ext cx="2172749" cy="2172749"/>
           </a:xfrm>
           <a:prstGeom prst="roundRect">
@@ -4787,6 +4711,247 @@
           </a:p>
         </p:txBody>
       </p:sp>
+      <p:sp>
+        <p:nvSpPr>
+          <p:cNvPr id="7" name="矩形: 圓角 6">
+            <a:extLst>
+              <a:ext uri="{FF2B5EF4-FFF2-40B4-BE49-F238E27FC236}">
+                <a16:creationId xmlns:a16="http://schemas.microsoft.com/office/drawing/2014/main" id="{1196B05E-ADBF-4CD8-AF83-FC0C020254B3}"/>
+              </a:ext>
+            </a:extLst>
+          </p:cNvPr>
+          <p:cNvSpPr/>
+          <p:nvPr/>
+        </p:nvSpPr>
+        <p:spPr>
+          <a:xfrm>
+            <a:off x="2425817" y="3893889"/>
+            <a:ext cx="2172749" cy="2172749"/>
+          </a:xfrm>
+          <a:prstGeom prst="roundRect">
+            <a:avLst/>
+          </a:prstGeom>
+          <a:solidFill>
+            <a:schemeClr val="accent1">
+              <a:lumMod val="60000"/>
+              <a:lumOff val="40000"/>
+            </a:schemeClr>
+          </a:solidFill>
+          <a:ln w="38100">
+            <a:solidFill>
+              <a:schemeClr val="accent1">
+                <a:lumMod val="50000"/>
+              </a:schemeClr>
+            </a:solidFill>
+          </a:ln>
+        </p:spPr>
+        <p:style>
+          <a:lnRef idx="2">
+            <a:schemeClr val="accent2">
+              <a:shade val="50000"/>
+            </a:schemeClr>
+          </a:lnRef>
+          <a:fillRef idx="1">
+            <a:schemeClr val="accent2"/>
+          </a:fillRef>
+          <a:effectRef idx="0">
+            <a:schemeClr val="accent2"/>
+          </a:effectRef>
+          <a:fontRef idx="minor">
+            <a:schemeClr val="lt1"/>
+          </a:fontRef>
+        </p:style>
+        <p:txBody>
+          <a:bodyPr rtlCol="0" anchor="ctr"/>
+          <a:lstStyle/>
+          <a:p>
+            <a:pPr algn="ctr"/>
+            <a:r>
+              <a:rPr lang="zh-TW" altLang="en-US" b="1" dirty="0">
+                <a:solidFill>
+                  <a:schemeClr val="tx1"/>
+                </a:solidFill>
+              </a:rPr>
+              <a:t>單人遊戲</a:t>
+            </a:r>
+          </a:p>
+        </p:txBody>
+      </p:sp>
+      <p:sp>
+        <p:nvSpPr>
+          <p:cNvPr id="8" name="矩形: 圓角 7">
+            <a:extLst>
+              <a:ext uri="{FF2B5EF4-FFF2-40B4-BE49-F238E27FC236}">
+                <a16:creationId xmlns:a16="http://schemas.microsoft.com/office/drawing/2014/main" id="{AF013549-4952-4A2E-B62E-2C8AE2564F81}"/>
+              </a:ext>
+            </a:extLst>
+          </p:cNvPr>
+          <p:cNvSpPr/>
+          <p:nvPr/>
+        </p:nvSpPr>
+        <p:spPr>
+          <a:xfrm>
+            <a:off x="5420687" y="3893889"/>
+            <a:ext cx="2172749" cy="2172749"/>
+          </a:xfrm>
+          <a:prstGeom prst="roundRect">
+            <a:avLst/>
+          </a:prstGeom>
+          <a:solidFill>
+            <a:schemeClr val="accent2">
+              <a:lumMod val="60000"/>
+              <a:lumOff val="40000"/>
+            </a:schemeClr>
+          </a:solidFill>
+          <a:ln w="38100">
+            <a:solidFill>
+              <a:srgbClr val="C00000"/>
+            </a:solidFill>
+          </a:ln>
+        </p:spPr>
+        <p:style>
+          <a:lnRef idx="2">
+            <a:schemeClr val="accent2">
+              <a:shade val="50000"/>
+            </a:schemeClr>
+          </a:lnRef>
+          <a:fillRef idx="1">
+            <a:schemeClr val="accent2"/>
+          </a:fillRef>
+          <a:effectRef idx="0">
+            <a:schemeClr val="accent2"/>
+          </a:effectRef>
+          <a:fontRef idx="minor">
+            <a:schemeClr val="lt1"/>
+          </a:fontRef>
+        </p:style>
+        <p:txBody>
+          <a:bodyPr rtlCol="0" anchor="ctr"/>
+          <a:lstStyle/>
+          <a:p>
+            <a:pPr algn="ctr"/>
+            <a:r>
+              <a:rPr lang="zh-TW" altLang="en-US" b="1" dirty="0">
+                <a:solidFill>
+                  <a:schemeClr val="tx1"/>
+                </a:solidFill>
+              </a:rPr>
+              <a:t>連線遊戲</a:t>
+            </a:r>
+          </a:p>
+        </p:txBody>
+      </p:sp>
+      <p:grpSp>
+        <p:nvGrpSpPr>
+          <p:cNvPr id="12" name="群組 11">
+            <a:extLst>
+              <a:ext uri="{FF2B5EF4-FFF2-40B4-BE49-F238E27FC236}">
+                <a16:creationId xmlns:a16="http://schemas.microsoft.com/office/drawing/2014/main" id="{0F5885FF-C938-4368-957F-F38C8F4AA12F}"/>
+              </a:ext>
+            </a:extLst>
+          </p:cNvPr>
+          <p:cNvGrpSpPr/>
+          <p:nvPr/>
+        </p:nvGrpSpPr>
+        <p:grpSpPr>
+          <a:xfrm>
+            <a:off x="9232083" y="3556930"/>
+            <a:ext cx="1084978" cy="1084978"/>
+            <a:chOff x="9232083" y="3556930"/>
+            <a:chExt cx="1084978" cy="1084978"/>
+          </a:xfrm>
+        </p:grpSpPr>
+        <p:sp>
+          <p:nvSpPr>
+            <p:cNvPr id="2" name="矩形: 圓角 1">
+              <a:extLst>
+                <a:ext uri="{FF2B5EF4-FFF2-40B4-BE49-F238E27FC236}">
+                  <a16:creationId xmlns:a16="http://schemas.microsoft.com/office/drawing/2014/main" id="{3E0DA253-49CC-4DD4-9415-2767E421861F}"/>
+                </a:ext>
+              </a:extLst>
+            </p:cNvPr>
+            <p:cNvSpPr/>
+            <p:nvPr/>
+          </p:nvSpPr>
+          <p:spPr>
+            <a:xfrm>
+              <a:off x="9327859" y="3632431"/>
+              <a:ext cx="893426" cy="893426"/>
+            </a:xfrm>
+            <a:prstGeom prst="roundRect">
+              <a:avLst/>
+            </a:prstGeom>
+            <a:noFill/>
+            <a:ln w="38100">
+              <a:solidFill>
+                <a:schemeClr val="accent3">
+                  <a:lumMod val="50000"/>
+                </a:schemeClr>
+              </a:solidFill>
+            </a:ln>
+          </p:spPr>
+          <p:style>
+            <a:lnRef idx="2">
+              <a:schemeClr val="accent1">
+                <a:shade val="50000"/>
+              </a:schemeClr>
+            </a:lnRef>
+            <a:fillRef idx="1">
+              <a:schemeClr val="accent1"/>
+            </a:fillRef>
+            <a:effectRef idx="0">
+              <a:schemeClr val="accent1"/>
+            </a:effectRef>
+            <a:fontRef idx="minor">
+              <a:schemeClr val="lt1"/>
+            </a:fontRef>
+          </p:style>
+          <p:txBody>
+            <a:bodyPr rtlCol="0" anchor="ctr"/>
+            <a:lstStyle/>
+            <a:p>
+              <a:pPr algn="ctr"/>
+              <a:endParaRPr lang="zh-TW" altLang="en-US"/>
+            </a:p>
+          </p:txBody>
+        </p:sp>
+        <p:pic>
+          <p:nvPicPr>
+            <p:cNvPr id="10" name="圖片 9">
+              <a:extLst>
+                <a:ext uri="{FF2B5EF4-FFF2-40B4-BE49-F238E27FC236}">
+                  <a16:creationId xmlns:a16="http://schemas.microsoft.com/office/drawing/2014/main" id="{C1E5D1FD-9071-40AB-B92B-C46669455EBE}"/>
+                </a:ext>
+              </a:extLst>
+            </p:cNvPr>
+            <p:cNvPicPr>
+              <a:picLocks noChangeAspect="1"/>
+            </p:cNvPicPr>
+            <p:nvPr/>
+          </p:nvPicPr>
+          <p:blipFill>
+            <a:blip r:embed="rId2">
+              <a:extLst>
+                <a:ext uri="{28A0092B-C50C-407E-A947-70E740481C1C}">
+                  <a14:useLocalDpi xmlns:a14="http://schemas.microsoft.com/office/drawing/2010/main" val="0"/>
+                </a:ext>
+              </a:extLst>
+            </a:blip>
+            <a:stretch>
+              <a:fillRect/>
+            </a:stretch>
+          </p:blipFill>
+          <p:spPr>
+            <a:xfrm>
+              <a:off x="9232083" y="3556930"/>
+              <a:ext cx="1084978" cy="1084978"/>
+            </a:xfrm>
+            <a:prstGeom prst="rect">
+              <a:avLst/>
+            </a:prstGeom>
+          </p:spPr>
+        </p:pic>
+      </p:grpSp>
     </p:spTree>
     <p:extLst>
       <p:ext uri="{BB962C8B-B14F-4D97-AF65-F5344CB8AC3E}">
@@ -4800,7 +4965,7 @@
 </p:sld>
 </file>
 
-<file path=ppt/slides/slide5.xml><?xml version="1.0" encoding="utf-8"?>
+<file path=ppt/slides/slide4.xml><?xml version="1.0" encoding="utf-8"?>
 <p:sld xmlns:a="http://schemas.openxmlformats.org/drawingml/2006/main" xmlns:r="http://schemas.openxmlformats.org/officeDocument/2006/relationships" xmlns:p="http://schemas.openxmlformats.org/presentationml/2006/main">
   <p:cSld>
     <p:spTree>

--- a/圖片製作.pptx
+++ b/圖片製作.pptx
@@ -262,7 +262,7 @@
           <a:p>
             <a:fld id="{736941B5-F94D-4F90-B8E7-367B548187DE}" type="datetimeFigureOut">
               <a:rPr lang="zh-TW" altLang="en-US" smtClean="0"/>
-              <a:t>2023/12/9</a:t>
+              <a:t>2023/12/10</a:t>
             </a:fld>
             <a:endParaRPr lang="zh-TW" altLang="en-US"/>
           </a:p>
@@ -460,7 +460,7 @@
           <a:p>
             <a:fld id="{736941B5-F94D-4F90-B8E7-367B548187DE}" type="datetimeFigureOut">
               <a:rPr lang="zh-TW" altLang="en-US" smtClean="0"/>
-              <a:t>2023/12/9</a:t>
+              <a:t>2023/12/10</a:t>
             </a:fld>
             <a:endParaRPr lang="zh-TW" altLang="en-US"/>
           </a:p>
@@ -668,7 +668,7 @@
           <a:p>
             <a:fld id="{736941B5-F94D-4F90-B8E7-367B548187DE}" type="datetimeFigureOut">
               <a:rPr lang="zh-TW" altLang="en-US" smtClean="0"/>
-              <a:t>2023/12/9</a:t>
+              <a:t>2023/12/10</a:t>
             </a:fld>
             <a:endParaRPr lang="zh-TW" altLang="en-US"/>
           </a:p>
@@ -866,7 +866,7 @@
           <a:p>
             <a:fld id="{736941B5-F94D-4F90-B8E7-367B548187DE}" type="datetimeFigureOut">
               <a:rPr lang="zh-TW" altLang="en-US" smtClean="0"/>
-              <a:t>2023/12/9</a:t>
+              <a:t>2023/12/10</a:t>
             </a:fld>
             <a:endParaRPr lang="zh-TW" altLang="en-US"/>
           </a:p>
@@ -1141,7 +1141,7 @@
           <a:p>
             <a:fld id="{736941B5-F94D-4F90-B8E7-367B548187DE}" type="datetimeFigureOut">
               <a:rPr lang="zh-TW" altLang="en-US" smtClean="0"/>
-              <a:t>2023/12/9</a:t>
+              <a:t>2023/12/10</a:t>
             </a:fld>
             <a:endParaRPr lang="zh-TW" altLang="en-US"/>
           </a:p>
@@ -1406,7 +1406,7 @@
           <a:p>
             <a:fld id="{736941B5-F94D-4F90-B8E7-367B548187DE}" type="datetimeFigureOut">
               <a:rPr lang="zh-TW" altLang="en-US" smtClean="0"/>
-              <a:t>2023/12/9</a:t>
+              <a:t>2023/12/10</a:t>
             </a:fld>
             <a:endParaRPr lang="zh-TW" altLang="en-US"/>
           </a:p>
@@ -1818,7 +1818,7 @@
           <a:p>
             <a:fld id="{736941B5-F94D-4F90-B8E7-367B548187DE}" type="datetimeFigureOut">
               <a:rPr lang="zh-TW" altLang="en-US" smtClean="0"/>
-              <a:t>2023/12/9</a:t>
+              <a:t>2023/12/10</a:t>
             </a:fld>
             <a:endParaRPr lang="zh-TW" altLang="en-US"/>
           </a:p>
@@ -1959,7 +1959,7 @@
           <a:p>
             <a:fld id="{736941B5-F94D-4F90-B8E7-367B548187DE}" type="datetimeFigureOut">
               <a:rPr lang="zh-TW" altLang="en-US" smtClean="0"/>
-              <a:t>2023/12/9</a:t>
+              <a:t>2023/12/10</a:t>
             </a:fld>
             <a:endParaRPr lang="zh-TW" altLang="en-US"/>
           </a:p>
@@ -2072,7 +2072,7 @@
           <a:p>
             <a:fld id="{736941B5-F94D-4F90-B8E7-367B548187DE}" type="datetimeFigureOut">
               <a:rPr lang="zh-TW" altLang="en-US" smtClean="0"/>
-              <a:t>2023/12/9</a:t>
+              <a:t>2023/12/10</a:t>
             </a:fld>
             <a:endParaRPr lang="zh-TW" altLang="en-US"/>
           </a:p>
@@ -2383,7 +2383,7 @@
           <a:p>
             <a:fld id="{736941B5-F94D-4F90-B8E7-367B548187DE}" type="datetimeFigureOut">
               <a:rPr lang="zh-TW" altLang="en-US" smtClean="0"/>
-              <a:t>2023/12/9</a:t>
+              <a:t>2023/12/10</a:t>
             </a:fld>
             <a:endParaRPr lang="zh-TW" altLang="en-US"/>
           </a:p>
@@ -2671,7 +2671,7 @@
           <a:p>
             <a:fld id="{736941B5-F94D-4F90-B8E7-367B548187DE}" type="datetimeFigureOut">
               <a:rPr lang="zh-TW" altLang="en-US" smtClean="0"/>
-              <a:t>2023/12/9</a:t>
+              <a:t>2023/12/10</a:t>
             </a:fld>
             <a:endParaRPr lang="zh-TW" altLang="en-US"/>
           </a:p>
@@ -2912,7 +2912,7 @@
           <a:p>
             <a:fld id="{736941B5-F94D-4F90-B8E7-367B548187DE}" type="datetimeFigureOut">
               <a:rPr lang="zh-TW" altLang="en-US" smtClean="0"/>
-              <a:t>2023/12/9</a:t>
+              <a:t>2023/12/10</a:t>
             </a:fld>
             <a:endParaRPr lang="zh-TW" altLang="en-US"/>
           </a:p>
@@ -4952,6 +4952,221 @@
           </p:spPr>
         </p:pic>
       </p:grpSp>
+      <p:cxnSp>
+        <p:nvCxnSpPr>
+          <p:cNvPr id="9" name="接點: 肘形 8">
+            <a:extLst>
+              <a:ext uri="{FF2B5EF4-FFF2-40B4-BE49-F238E27FC236}">
+                <a16:creationId xmlns:a16="http://schemas.microsoft.com/office/drawing/2014/main" id="{C4F7502D-79E8-47E3-9413-B59FB635E500}"/>
+              </a:ext>
+            </a:extLst>
+          </p:cNvPr>
+          <p:cNvCxnSpPr>
+            <a:cxnSpLocks/>
+          </p:cNvCxnSpPr>
+          <p:nvPr/>
+        </p:nvCxnSpPr>
+        <p:spPr>
+          <a:xfrm>
+            <a:off x="8925886" y="5237524"/>
+            <a:ext cx="1295399" cy="654341"/>
+          </a:xfrm>
+          <a:prstGeom prst="bentConnector3">
+            <a:avLst/>
+          </a:prstGeom>
+          <a:ln w="38100">
+            <a:solidFill>
+              <a:schemeClr val="tx1"/>
+            </a:solidFill>
+            <a:tailEnd type="triangle"/>
+          </a:ln>
+        </p:spPr>
+        <p:style>
+          <a:lnRef idx="1">
+            <a:schemeClr val="accent1"/>
+          </a:lnRef>
+          <a:fillRef idx="0">
+            <a:schemeClr val="accent1"/>
+          </a:fillRef>
+          <a:effectRef idx="0">
+            <a:schemeClr val="accent1"/>
+          </a:effectRef>
+          <a:fontRef idx="minor">
+            <a:schemeClr val="tx1"/>
+          </a:fontRef>
+        </p:style>
+      </p:cxnSp>
+      <p:grpSp>
+        <p:nvGrpSpPr>
+          <p:cNvPr id="27" name="群組 26">
+            <a:extLst>
+              <a:ext uri="{FF2B5EF4-FFF2-40B4-BE49-F238E27FC236}">
+                <a16:creationId xmlns:a16="http://schemas.microsoft.com/office/drawing/2014/main" id="{A41F9830-5020-4648-A476-D8BC18DF13F5}"/>
+              </a:ext>
+            </a:extLst>
+          </p:cNvPr>
+          <p:cNvGrpSpPr/>
+          <p:nvPr/>
+        </p:nvGrpSpPr>
+        <p:grpSpPr>
+          <a:xfrm>
+            <a:off x="8464492" y="369116"/>
+            <a:ext cx="1740015" cy="973120"/>
+            <a:chOff x="8464492" y="369116"/>
+            <a:chExt cx="1740015" cy="973120"/>
+          </a:xfrm>
+        </p:grpSpPr>
+        <p:cxnSp>
+          <p:nvCxnSpPr>
+            <p:cNvPr id="20" name="接點: 弧形 19">
+              <a:extLst>
+                <a:ext uri="{FF2B5EF4-FFF2-40B4-BE49-F238E27FC236}">
+                  <a16:creationId xmlns:a16="http://schemas.microsoft.com/office/drawing/2014/main" id="{F222071B-A242-4827-A010-4E741A3F6587}"/>
+                </a:ext>
+              </a:extLst>
+            </p:cNvPr>
+            <p:cNvCxnSpPr/>
+            <p:nvPr/>
+          </p:nvCxnSpPr>
+          <p:spPr>
+            <a:xfrm flipV="1">
+              <a:off x="8751466" y="520119"/>
+              <a:ext cx="1152786" cy="654341"/>
+            </a:xfrm>
+            <a:prstGeom prst="curvedConnector3">
+              <a:avLst/>
+            </a:prstGeom>
+            <a:ln w="38100">
+              <a:solidFill>
+                <a:schemeClr val="tx1"/>
+              </a:solidFill>
+              <a:tailEnd type="triangle"/>
+            </a:ln>
+          </p:spPr>
+          <p:style>
+            <a:lnRef idx="1">
+              <a:schemeClr val="accent1"/>
+            </a:lnRef>
+            <a:fillRef idx="0">
+              <a:schemeClr val="accent1"/>
+            </a:fillRef>
+            <a:effectRef idx="0">
+              <a:schemeClr val="accent1"/>
+            </a:effectRef>
+            <a:fontRef idx="minor">
+              <a:schemeClr val="tx1"/>
+            </a:fontRef>
+          </p:style>
+        </p:cxnSp>
+        <p:cxnSp>
+          <p:nvCxnSpPr>
+            <p:cNvPr id="21" name="接點: 弧形 20">
+              <a:extLst>
+                <a:ext uri="{FF2B5EF4-FFF2-40B4-BE49-F238E27FC236}">
+                  <a16:creationId xmlns:a16="http://schemas.microsoft.com/office/drawing/2014/main" id="{8A496800-ADF2-4C73-9096-457327F74523}"/>
+                </a:ext>
+              </a:extLst>
+            </p:cNvPr>
+            <p:cNvCxnSpPr>
+              <a:cxnSpLocks/>
+            </p:cNvCxnSpPr>
+            <p:nvPr/>
+          </p:nvCxnSpPr>
+          <p:spPr>
+            <a:xfrm>
+              <a:off x="8751466" y="520119"/>
+              <a:ext cx="1152786" cy="668322"/>
+            </a:xfrm>
+            <a:prstGeom prst="curvedConnector3">
+              <a:avLst/>
+            </a:prstGeom>
+            <a:ln w="38100">
+              <a:solidFill>
+                <a:schemeClr val="tx1"/>
+              </a:solidFill>
+              <a:tailEnd type="triangle"/>
+            </a:ln>
+          </p:spPr>
+          <p:style>
+            <a:lnRef idx="1">
+              <a:schemeClr val="accent1"/>
+            </a:lnRef>
+            <a:fillRef idx="0">
+              <a:schemeClr val="accent1"/>
+            </a:fillRef>
+            <a:effectRef idx="0">
+              <a:schemeClr val="accent1"/>
+            </a:effectRef>
+            <a:fontRef idx="minor">
+              <a:schemeClr val="tx1"/>
+            </a:fontRef>
+          </p:style>
+        </p:cxnSp>
+        <p:sp>
+          <p:nvSpPr>
+            <p:cNvPr id="26" name="橢圓 25">
+              <a:extLst>
+                <a:ext uri="{FF2B5EF4-FFF2-40B4-BE49-F238E27FC236}">
+                  <a16:creationId xmlns:a16="http://schemas.microsoft.com/office/drawing/2014/main" id="{913A0703-5568-4B63-8B77-A1C471E567EE}"/>
+                </a:ext>
+              </a:extLst>
+            </p:cNvPr>
+            <p:cNvSpPr/>
+            <p:nvPr/>
+          </p:nvSpPr>
+          <p:spPr>
+            <a:xfrm>
+              <a:off x="8464492" y="369116"/>
+              <a:ext cx="1740015" cy="973120"/>
+            </a:xfrm>
+            <a:prstGeom prst="ellipse">
+              <a:avLst/>
+            </a:prstGeom>
+            <a:noFill/>
+            <a:ln w="38100">
+              <a:solidFill>
+                <a:srgbClr val="FFC000"/>
+              </a:solidFill>
+            </a:ln>
+          </p:spPr>
+          <p:style>
+            <a:lnRef idx="2">
+              <a:schemeClr val="accent1">
+                <a:shade val="50000"/>
+              </a:schemeClr>
+            </a:lnRef>
+            <a:fillRef idx="1">
+              <a:schemeClr val="accent1"/>
+            </a:fillRef>
+            <a:effectRef idx="0">
+              <a:schemeClr val="accent1"/>
+            </a:effectRef>
+            <a:fontRef idx="minor">
+              <a:schemeClr val="lt1"/>
+            </a:fontRef>
+          </p:style>
+          <p:txBody>
+            <a:bodyPr rtlCol="0" anchor="ctr"/>
+            <a:lstStyle/>
+            <a:p>
+              <a:pPr algn="ctr"/>
+              <a:r>
+                <a:rPr lang="zh-TW" altLang="en-US" sz="2400" b="1" dirty="0">
+                  <a:solidFill>
+                    <a:schemeClr val="tx1"/>
+                  </a:solidFill>
+                </a:rPr>
+                <a:t>發      牌</a:t>
+              </a:r>
+              <a:endParaRPr lang="zh-TW" altLang="en-US" b="1" dirty="0">
+                <a:solidFill>
+                  <a:schemeClr val="tx1"/>
+                </a:solidFill>
+              </a:endParaRPr>
+            </a:p>
+          </p:txBody>
+        </p:sp>
+      </p:grpSp>
     </p:spTree>
     <p:extLst>
       <p:ext uri="{BB962C8B-B14F-4D97-AF65-F5344CB8AC3E}">

--- a/圖片製作.pptx
+++ b/圖片製作.pptx
@@ -262,7 +262,7 @@
           <a:p>
             <a:fld id="{736941B5-F94D-4F90-B8E7-367B548187DE}" type="datetimeFigureOut">
               <a:rPr lang="zh-TW" altLang="en-US" smtClean="0"/>
-              <a:t>2023/12/10</a:t>
+              <a:t>2023/12/12</a:t>
             </a:fld>
             <a:endParaRPr lang="zh-TW" altLang="en-US"/>
           </a:p>
@@ -460,7 +460,7 @@
           <a:p>
             <a:fld id="{736941B5-F94D-4F90-B8E7-367B548187DE}" type="datetimeFigureOut">
               <a:rPr lang="zh-TW" altLang="en-US" smtClean="0"/>
-              <a:t>2023/12/10</a:t>
+              <a:t>2023/12/12</a:t>
             </a:fld>
             <a:endParaRPr lang="zh-TW" altLang="en-US"/>
           </a:p>
@@ -668,7 +668,7 @@
           <a:p>
             <a:fld id="{736941B5-F94D-4F90-B8E7-367B548187DE}" type="datetimeFigureOut">
               <a:rPr lang="zh-TW" altLang="en-US" smtClean="0"/>
-              <a:t>2023/12/10</a:t>
+              <a:t>2023/12/12</a:t>
             </a:fld>
             <a:endParaRPr lang="zh-TW" altLang="en-US"/>
           </a:p>
@@ -866,7 +866,7 @@
           <a:p>
             <a:fld id="{736941B5-F94D-4F90-B8E7-367B548187DE}" type="datetimeFigureOut">
               <a:rPr lang="zh-TW" altLang="en-US" smtClean="0"/>
-              <a:t>2023/12/10</a:t>
+              <a:t>2023/12/12</a:t>
             </a:fld>
             <a:endParaRPr lang="zh-TW" altLang="en-US"/>
           </a:p>
@@ -1141,7 +1141,7 @@
           <a:p>
             <a:fld id="{736941B5-F94D-4F90-B8E7-367B548187DE}" type="datetimeFigureOut">
               <a:rPr lang="zh-TW" altLang="en-US" smtClean="0"/>
-              <a:t>2023/12/10</a:t>
+              <a:t>2023/12/12</a:t>
             </a:fld>
             <a:endParaRPr lang="zh-TW" altLang="en-US"/>
           </a:p>
@@ -1406,7 +1406,7 @@
           <a:p>
             <a:fld id="{736941B5-F94D-4F90-B8E7-367B548187DE}" type="datetimeFigureOut">
               <a:rPr lang="zh-TW" altLang="en-US" smtClean="0"/>
-              <a:t>2023/12/10</a:t>
+              <a:t>2023/12/12</a:t>
             </a:fld>
             <a:endParaRPr lang="zh-TW" altLang="en-US"/>
           </a:p>
@@ -1818,7 +1818,7 @@
           <a:p>
             <a:fld id="{736941B5-F94D-4F90-B8E7-367B548187DE}" type="datetimeFigureOut">
               <a:rPr lang="zh-TW" altLang="en-US" smtClean="0"/>
-              <a:t>2023/12/10</a:t>
+              <a:t>2023/12/12</a:t>
             </a:fld>
             <a:endParaRPr lang="zh-TW" altLang="en-US"/>
           </a:p>
@@ -1959,7 +1959,7 @@
           <a:p>
             <a:fld id="{736941B5-F94D-4F90-B8E7-367B548187DE}" type="datetimeFigureOut">
               <a:rPr lang="zh-TW" altLang="en-US" smtClean="0"/>
-              <a:t>2023/12/10</a:t>
+              <a:t>2023/12/12</a:t>
             </a:fld>
             <a:endParaRPr lang="zh-TW" altLang="en-US"/>
           </a:p>
@@ -2072,7 +2072,7 @@
           <a:p>
             <a:fld id="{736941B5-F94D-4F90-B8E7-367B548187DE}" type="datetimeFigureOut">
               <a:rPr lang="zh-TW" altLang="en-US" smtClean="0"/>
-              <a:t>2023/12/10</a:t>
+              <a:t>2023/12/12</a:t>
             </a:fld>
             <a:endParaRPr lang="zh-TW" altLang="en-US"/>
           </a:p>
@@ -2383,7 +2383,7 @@
           <a:p>
             <a:fld id="{736941B5-F94D-4F90-B8E7-367B548187DE}" type="datetimeFigureOut">
               <a:rPr lang="zh-TW" altLang="en-US" smtClean="0"/>
-              <a:t>2023/12/10</a:t>
+              <a:t>2023/12/12</a:t>
             </a:fld>
             <a:endParaRPr lang="zh-TW" altLang="en-US"/>
           </a:p>
@@ -2671,7 +2671,7 @@
           <a:p>
             <a:fld id="{736941B5-F94D-4F90-B8E7-367B548187DE}" type="datetimeFigureOut">
               <a:rPr lang="zh-TW" altLang="en-US" smtClean="0"/>
-              <a:t>2023/12/10</a:t>
+              <a:t>2023/12/12</a:t>
             </a:fld>
             <a:endParaRPr lang="zh-TW" altLang="en-US"/>
           </a:p>
@@ -2912,7 +2912,7 @@
           <a:p>
             <a:fld id="{736941B5-F94D-4F90-B8E7-367B548187DE}" type="datetimeFigureOut">
               <a:rPr lang="zh-TW" altLang="en-US" smtClean="0"/>
-              <a:t>2023/12/10</a:t>
+              <a:t>2023/12/12</a:t>
             </a:fld>
             <a:endParaRPr lang="zh-TW" altLang="en-US"/>
           </a:p>
@@ -3343,7 +3343,7 @@
         </p:nvSpPr>
         <p:spPr>
           <a:xfrm>
-            <a:off x="2592197" y="1073790"/>
+            <a:off x="260058" y="201335"/>
             <a:ext cx="7155810" cy="4479721"/>
           </a:xfrm>
           <a:prstGeom prst="roundRect">
@@ -3955,6 +3955,1305 @@
           </a:p>
         </p:txBody>
       </p:sp>
+      <p:sp>
+        <p:nvSpPr>
+          <p:cNvPr id="3" name="橢圓 2">
+            <a:extLst>
+              <a:ext uri="{FF2B5EF4-FFF2-40B4-BE49-F238E27FC236}">
+                <a16:creationId xmlns:a16="http://schemas.microsoft.com/office/drawing/2014/main" id="{0F0FDCDE-FD17-4F67-AABC-07FECC9DBB9D}"/>
+              </a:ext>
+            </a:extLst>
+          </p:cNvPr>
+          <p:cNvSpPr/>
+          <p:nvPr/>
+        </p:nvSpPr>
+        <p:spPr>
+          <a:xfrm>
+            <a:off x="9227890" y="1944151"/>
+            <a:ext cx="964734" cy="964734"/>
+          </a:xfrm>
+          <a:prstGeom prst="ellipse">
+            <a:avLst/>
+          </a:prstGeom>
+          <a:solidFill>
+            <a:schemeClr val="accent2">
+              <a:lumMod val="60000"/>
+              <a:lumOff val="40000"/>
+            </a:schemeClr>
+          </a:solidFill>
+          <a:ln>
+            <a:solidFill>
+              <a:schemeClr val="accent2">
+                <a:lumMod val="50000"/>
+              </a:schemeClr>
+            </a:solidFill>
+          </a:ln>
+        </p:spPr>
+        <p:style>
+          <a:lnRef idx="2">
+            <a:schemeClr val="accent1">
+              <a:shade val="50000"/>
+            </a:schemeClr>
+          </a:lnRef>
+          <a:fillRef idx="1">
+            <a:schemeClr val="accent1"/>
+          </a:fillRef>
+          <a:effectRef idx="0">
+            <a:schemeClr val="accent1"/>
+          </a:effectRef>
+          <a:fontRef idx="minor">
+            <a:schemeClr val="lt1"/>
+          </a:fontRef>
+        </p:style>
+        <p:txBody>
+          <a:bodyPr rtlCol="0" anchor="ctr"/>
+          <a:lstStyle/>
+          <a:p>
+            <a:pPr algn="ctr"/>
+            <a:r>
+              <a:rPr lang="zh-TW" altLang="en-US" sz="2400" b="1" dirty="0">
+                <a:solidFill>
+                  <a:schemeClr val="tx1"/>
+                </a:solidFill>
+              </a:rPr>
+              <a:t>五枚</a:t>
+            </a:r>
+            <a:endParaRPr lang="zh-TW" altLang="en-US" b="1" dirty="0">
+              <a:solidFill>
+                <a:schemeClr val="tx1"/>
+              </a:solidFill>
+            </a:endParaRPr>
+          </a:p>
+        </p:txBody>
+      </p:sp>
+      <p:sp>
+        <p:nvSpPr>
+          <p:cNvPr id="4" name="橢圓 3">
+            <a:extLst>
+              <a:ext uri="{FF2B5EF4-FFF2-40B4-BE49-F238E27FC236}">
+                <a16:creationId xmlns:a16="http://schemas.microsoft.com/office/drawing/2014/main" id="{89DA0D59-E859-45D7-8B1C-677D9C0790A4}"/>
+              </a:ext>
+            </a:extLst>
+          </p:cNvPr>
+          <p:cNvSpPr/>
+          <p:nvPr/>
+        </p:nvSpPr>
+        <p:spPr>
+          <a:xfrm>
+            <a:off x="10268125" y="1944151"/>
+            <a:ext cx="964734" cy="964734"/>
+          </a:xfrm>
+          <a:prstGeom prst="ellipse">
+            <a:avLst/>
+          </a:prstGeom>
+          <a:solidFill>
+            <a:schemeClr val="accent2">
+              <a:lumMod val="60000"/>
+              <a:lumOff val="40000"/>
+            </a:schemeClr>
+          </a:solidFill>
+          <a:ln>
+            <a:solidFill>
+              <a:schemeClr val="accent2">
+                <a:lumMod val="50000"/>
+              </a:schemeClr>
+            </a:solidFill>
+          </a:ln>
+        </p:spPr>
+        <p:style>
+          <a:lnRef idx="2">
+            <a:schemeClr val="accent1">
+              <a:shade val="50000"/>
+            </a:schemeClr>
+          </a:lnRef>
+          <a:fillRef idx="1">
+            <a:schemeClr val="accent1"/>
+          </a:fillRef>
+          <a:effectRef idx="0">
+            <a:schemeClr val="accent1"/>
+          </a:effectRef>
+          <a:fontRef idx="minor">
+            <a:schemeClr val="lt1"/>
+          </a:fontRef>
+        </p:style>
+        <p:txBody>
+          <a:bodyPr rtlCol="0" anchor="ctr"/>
+          <a:lstStyle/>
+          <a:p>
+            <a:pPr algn="ctr"/>
+            <a:r>
+              <a:rPr lang="zh-TW" altLang="en-US" sz="2000" b="1" dirty="0">
+                <a:solidFill>
+                  <a:schemeClr val="tx1"/>
+                </a:solidFill>
+              </a:rPr>
+              <a:t>同花順</a:t>
+            </a:r>
+            <a:endParaRPr lang="zh-TW" altLang="en-US" sz="1600" b="1" dirty="0">
+              <a:solidFill>
+                <a:schemeClr val="tx1"/>
+              </a:solidFill>
+            </a:endParaRPr>
+          </a:p>
+        </p:txBody>
+      </p:sp>
+      <p:sp>
+        <p:nvSpPr>
+          <p:cNvPr id="5" name="橢圓 4">
+            <a:extLst>
+              <a:ext uri="{FF2B5EF4-FFF2-40B4-BE49-F238E27FC236}">
+                <a16:creationId xmlns:a16="http://schemas.microsoft.com/office/drawing/2014/main" id="{FC1A1379-33D5-41F4-941C-7B9A408C29B2}"/>
+              </a:ext>
+            </a:extLst>
+          </p:cNvPr>
+          <p:cNvSpPr/>
+          <p:nvPr/>
+        </p:nvSpPr>
+        <p:spPr>
+          <a:xfrm>
+            <a:off x="8187655" y="3033319"/>
+            <a:ext cx="964734" cy="964734"/>
+          </a:xfrm>
+          <a:prstGeom prst="ellipse">
+            <a:avLst/>
+          </a:prstGeom>
+          <a:solidFill>
+            <a:schemeClr val="accent2">
+              <a:lumMod val="60000"/>
+              <a:lumOff val="40000"/>
+            </a:schemeClr>
+          </a:solidFill>
+          <a:ln>
+            <a:solidFill>
+              <a:schemeClr val="accent2">
+                <a:lumMod val="50000"/>
+              </a:schemeClr>
+            </a:solidFill>
+          </a:ln>
+        </p:spPr>
+        <p:style>
+          <a:lnRef idx="2">
+            <a:schemeClr val="accent1">
+              <a:shade val="50000"/>
+            </a:schemeClr>
+          </a:lnRef>
+          <a:fillRef idx="1">
+            <a:schemeClr val="accent1"/>
+          </a:fillRef>
+          <a:effectRef idx="0">
+            <a:schemeClr val="accent1"/>
+          </a:effectRef>
+          <a:fontRef idx="minor">
+            <a:schemeClr val="lt1"/>
+          </a:fontRef>
+        </p:style>
+        <p:txBody>
+          <a:bodyPr rtlCol="0" anchor="ctr"/>
+          <a:lstStyle/>
+          <a:p>
+            <a:pPr algn="ctr"/>
+            <a:r>
+              <a:rPr lang="zh-TW" altLang="en-US" sz="2400" b="1" dirty="0">
+                <a:solidFill>
+                  <a:schemeClr val="tx1"/>
+                </a:solidFill>
+              </a:rPr>
+              <a:t>鐵支</a:t>
+            </a:r>
+            <a:endParaRPr lang="zh-TW" altLang="en-US" b="1" dirty="0">
+              <a:solidFill>
+                <a:schemeClr val="tx1"/>
+              </a:solidFill>
+            </a:endParaRPr>
+          </a:p>
+        </p:txBody>
+      </p:sp>
+      <p:sp>
+        <p:nvSpPr>
+          <p:cNvPr id="6" name="橢圓 5">
+            <a:extLst>
+              <a:ext uri="{FF2B5EF4-FFF2-40B4-BE49-F238E27FC236}">
+                <a16:creationId xmlns:a16="http://schemas.microsoft.com/office/drawing/2014/main" id="{36CEA5C3-9EDD-4540-A90B-056DCFDFBFB2}"/>
+              </a:ext>
+            </a:extLst>
+          </p:cNvPr>
+          <p:cNvSpPr/>
+          <p:nvPr/>
+        </p:nvSpPr>
+        <p:spPr>
+          <a:xfrm>
+            <a:off x="9227890" y="3033319"/>
+            <a:ext cx="964734" cy="964734"/>
+          </a:xfrm>
+          <a:prstGeom prst="ellipse">
+            <a:avLst/>
+          </a:prstGeom>
+          <a:solidFill>
+            <a:schemeClr val="accent2">
+              <a:lumMod val="60000"/>
+              <a:lumOff val="40000"/>
+            </a:schemeClr>
+          </a:solidFill>
+          <a:ln>
+            <a:solidFill>
+              <a:schemeClr val="accent2">
+                <a:lumMod val="50000"/>
+              </a:schemeClr>
+            </a:solidFill>
+          </a:ln>
+        </p:spPr>
+        <p:style>
+          <a:lnRef idx="2">
+            <a:schemeClr val="accent1">
+              <a:shade val="50000"/>
+            </a:schemeClr>
+          </a:lnRef>
+          <a:fillRef idx="1">
+            <a:schemeClr val="accent1"/>
+          </a:fillRef>
+          <a:effectRef idx="0">
+            <a:schemeClr val="accent1"/>
+          </a:effectRef>
+          <a:fontRef idx="minor">
+            <a:schemeClr val="lt1"/>
+          </a:fontRef>
+        </p:style>
+        <p:txBody>
+          <a:bodyPr rtlCol="0" anchor="ctr"/>
+          <a:lstStyle/>
+          <a:p>
+            <a:pPr algn="ctr"/>
+            <a:r>
+              <a:rPr lang="zh-TW" altLang="en-US" sz="2400" b="1" dirty="0">
+                <a:solidFill>
+                  <a:schemeClr val="tx1"/>
+                </a:solidFill>
+              </a:rPr>
+              <a:t>葫蘆</a:t>
+            </a:r>
+            <a:endParaRPr lang="zh-TW" altLang="en-US" sz="1600" b="1" dirty="0">
+              <a:solidFill>
+                <a:schemeClr val="tx1"/>
+              </a:solidFill>
+            </a:endParaRPr>
+          </a:p>
+        </p:txBody>
+      </p:sp>
+      <p:sp>
+        <p:nvSpPr>
+          <p:cNvPr id="7" name="橢圓 6">
+            <a:extLst>
+              <a:ext uri="{FF2B5EF4-FFF2-40B4-BE49-F238E27FC236}">
+                <a16:creationId xmlns:a16="http://schemas.microsoft.com/office/drawing/2014/main" id="{16E755AB-F4B5-4D7F-A05F-3AADD2E454FB}"/>
+              </a:ext>
+            </a:extLst>
+          </p:cNvPr>
+          <p:cNvSpPr/>
+          <p:nvPr/>
+        </p:nvSpPr>
+        <p:spPr>
+          <a:xfrm>
+            <a:off x="10268125" y="3033319"/>
+            <a:ext cx="964734" cy="964734"/>
+          </a:xfrm>
+          <a:prstGeom prst="ellipse">
+            <a:avLst/>
+          </a:prstGeom>
+          <a:solidFill>
+            <a:schemeClr val="accent2">
+              <a:lumMod val="60000"/>
+              <a:lumOff val="40000"/>
+            </a:schemeClr>
+          </a:solidFill>
+          <a:ln>
+            <a:solidFill>
+              <a:schemeClr val="accent2">
+                <a:lumMod val="50000"/>
+              </a:schemeClr>
+            </a:solidFill>
+          </a:ln>
+        </p:spPr>
+        <p:style>
+          <a:lnRef idx="2">
+            <a:schemeClr val="accent1">
+              <a:shade val="50000"/>
+            </a:schemeClr>
+          </a:lnRef>
+          <a:fillRef idx="1">
+            <a:schemeClr val="accent1"/>
+          </a:fillRef>
+          <a:effectRef idx="0">
+            <a:schemeClr val="accent1"/>
+          </a:effectRef>
+          <a:fontRef idx="minor">
+            <a:schemeClr val="lt1"/>
+          </a:fontRef>
+        </p:style>
+        <p:txBody>
+          <a:bodyPr rtlCol="0" anchor="ctr"/>
+          <a:lstStyle/>
+          <a:p>
+            <a:pPr algn="ctr"/>
+            <a:r>
+              <a:rPr lang="zh-TW" altLang="en-US" sz="2400" b="1" dirty="0">
+                <a:solidFill>
+                  <a:schemeClr val="tx1"/>
+                </a:solidFill>
+              </a:rPr>
+              <a:t>同花</a:t>
+            </a:r>
+            <a:endParaRPr lang="zh-TW" altLang="en-US" b="1" dirty="0">
+              <a:solidFill>
+                <a:schemeClr val="tx1"/>
+              </a:solidFill>
+            </a:endParaRPr>
+          </a:p>
+        </p:txBody>
+      </p:sp>
+      <p:sp>
+        <p:nvSpPr>
+          <p:cNvPr id="8" name="橢圓 7">
+            <a:extLst>
+              <a:ext uri="{FF2B5EF4-FFF2-40B4-BE49-F238E27FC236}">
+                <a16:creationId xmlns:a16="http://schemas.microsoft.com/office/drawing/2014/main" id="{CB93FC3F-F5FD-4216-8185-8B3BCC413BC9}"/>
+              </a:ext>
+            </a:extLst>
+          </p:cNvPr>
+          <p:cNvSpPr/>
+          <p:nvPr/>
+        </p:nvSpPr>
+        <p:spPr>
+          <a:xfrm>
+            <a:off x="8187655" y="4105708"/>
+            <a:ext cx="964734" cy="964734"/>
+          </a:xfrm>
+          <a:prstGeom prst="ellipse">
+            <a:avLst/>
+          </a:prstGeom>
+          <a:solidFill>
+            <a:schemeClr val="accent2">
+              <a:lumMod val="60000"/>
+              <a:lumOff val="40000"/>
+            </a:schemeClr>
+          </a:solidFill>
+          <a:ln>
+            <a:solidFill>
+              <a:schemeClr val="accent2">
+                <a:lumMod val="50000"/>
+              </a:schemeClr>
+            </a:solidFill>
+          </a:ln>
+        </p:spPr>
+        <p:style>
+          <a:lnRef idx="2">
+            <a:schemeClr val="accent1">
+              <a:shade val="50000"/>
+            </a:schemeClr>
+          </a:lnRef>
+          <a:fillRef idx="1">
+            <a:schemeClr val="accent1"/>
+          </a:fillRef>
+          <a:effectRef idx="0">
+            <a:schemeClr val="accent1"/>
+          </a:effectRef>
+          <a:fontRef idx="minor">
+            <a:schemeClr val="lt1"/>
+          </a:fontRef>
+        </p:style>
+        <p:txBody>
+          <a:bodyPr rtlCol="0" anchor="ctr"/>
+          <a:lstStyle/>
+          <a:p>
+            <a:pPr algn="ctr"/>
+            <a:r>
+              <a:rPr lang="zh-TW" altLang="en-US" sz="2400" b="1" dirty="0">
+                <a:solidFill>
+                  <a:schemeClr val="tx1"/>
+                </a:solidFill>
+              </a:rPr>
+              <a:t>順子</a:t>
+            </a:r>
+            <a:endParaRPr lang="zh-TW" altLang="en-US" sz="1600" b="1" dirty="0">
+              <a:solidFill>
+                <a:schemeClr val="tx1"/>
+              </a:solidFill>
+            </a:endParaRPr>
+          </a:p>
+        </p:txBody>
+      </p:sp>
+      <p:sp>
+        <p:nvSpPr>
+          <p:cNvPr id="9" name="橢圓 8">
+            <a:extLst>
+              <a:ext uri="{FF2B5EF4-FFF2-40B4-BE49-F238E27FC236}">
+                <a16:creationId xmlns:a16="http://schemas.microsoft.com/office/drawing/2014/main" id="{CF73980B-88BB-418C-B8A2-A634723BAA42}"/>
+              </a:ext>
+            </a:extLst>
+          </p:cNvPr>
+          <p:cNvSpPr/>
+          <p:nvPr/>
+        </p:nvSpPr>
+        <p:spPr>
+          <a:xfrm>
+            <a:off x="9227890" y="4105708"/>
+            <a:ext cx="964734" cy="964734"/>
+          </a:xfrm>
+          <a:prstGeom prst="ellipse">
+            <a:avLst/>
+          </a:prstGeom>
+          <a:solidFill>
+            <a:schemeClr val="accent2">
+              <a:lumMod val="60000"/>
+              <a:lumOff val="40000"/>
+            </a:schemeClr>
+          </a:solidFill>
+          <a:ln>
+            <a:solidFill>
+              <a:schemeClr val="accent2">
+                <a:lumMod val="50000"/>
+              </a:schemeClr>
+            </a:solidFill>
+          </a:ln>
+        </p:spPr>
+        <p:style>
+          <a:lnRef idx="2">
+            <a:schemeClr val="accent1">
+              <a:shade val="50000"/>
+            </a:schemeClr>
+          </a:lnRef>
+          <a:fillRef idx="1">
+            <a:schemeClr val="accent1"/>
+          </a:fillRef>
+          <a:effectRef idx="0">
+            <a:schemeClr val="accent1"/>
+          </a:effectRef>
+          <a:fontRef idx="minor">
+            <a:schemeClr val="lt1"/>
+          </a:fontRef>
+        </p:style>
+        <p:txBody>
+          <a:bodyPr rtlCol="0" anchor="ctr"/>
+          <a:lstStyle/>
+          <a:p>
+            <a:pPr algn="ctr"/>
+            <a:r>
+              <a:rPr lang="zh-TW" altLang="en-US" sz="2400" b="1" dirty="0">
+                <a:solidFill>
+                  <a:schemeClr val="tx1"/>
+                </a:solidFill>
+              </a:rPr>
+              <a:t>三條</a:t>
+            </a:r>
+            <a:endParaRPr lang="zh-TW" altLang="en-US" b="1" dirty="0">
+              <a:solidFill>
+                <a:schemeClr val="tx1"/>
+              </a:solidFill>
+            </a:endParaRPr>
+          </a:p>
+        </p:txBody>
+      </p:sp>
+      <p:sp>
+        <p:nvSpPr>
+          <p:cNvPr id="10" name="橢圓 9">
+            <a:extLst>
+              <a:ext uri="{FF2B5EF4-FFF2-40B4-BE49-F238E27FC236}">
+                <a16:creationId xmlns:a16="http://schemas.microsoft.com/office/drawing/2014/main" id="{663A06C5-0329-4FF3-BB42-13F426785711}"/>
+              </a:ext>
+            </a:extLst>
+          </p:cNvPr>
+          <p:cNvSpPr/>
+          <p:nvPr/>
+        </p:nvSpPr>
+        <p:spPr>
+          <a:xfrm>
+            <a:off x="10268125" y="4105708"/>
+            <a:ext cx="964734" cy="964734"/>
+          </a:xfrm>
+          <a:prstGeom prst="ellipse">
+            <a:avLst/>
+          </a:prstGeom>
+          <a:solidFill>
+            <a:schemeClr val="accent2">
+              <a:lumMod val="60000"/>
+              <a:lumOff val="40000"/>
+            </a:schemeClr>
+          </a:solidFill>
+          <a:ln>
+            <a:solidFill>
+              <a:schemeClr val="accent2">
+                <a:lumMod val="50000"/>
+              </a:schemeClr>
+            </a:solidFill>
+          </a:ln>
+        </p:spPr>
+        <p:style>
+          <a:lnRef idx="2">
+            <a:schemeClr val="accent1">
+              <a:shade val="50000"/>
+            </a:schemeClr>
+          </a:lnRef>
+          <a:fillRef idx="1">
+            <a:schemeClr val="accent1"/>
+          </a:fillRef>
+          <a:effectRef idx="0">
+            <a:schemeClr val="accent1"/>
+          </a:effectRef>
+          <a:fontRef idx="minor">
+            <a:schemeClr val="lt1"/>
+          </a:fontRef>
+        </p:style>
+        <p:txBody>
+          <a:bodyPr rtlCol="0" anchor="ctr"/>
+          <a:lstStyle/>
+          <a:p>
+            <a:pPr algn="ctr"/>
+            <a:r>
+              <a:rPr lang="zh-TW" altLang="en-US" sz="2400" b="1" dirty="0">
+                <a:solidFill>
+                  <a:schemeClr val="tx1"/>
+                </a:solidFill>
+              </a:rPr>
+              <a:t>對子</a:t>
+            </a:r>
+            <a:endParaRPr lang="zh-TW" altLang="en-US" sz="1600" b="1" dirty="0">
+              <a:solidFill>
+                <a:schemeClr val="tx1"/>
+              </a:solidFill>
+            </a:endParaRPr>
+          </a:p>
+        </p:txBody>
+      </p:sp>
+      <p:sp>
+        <p:nvSpPr>
+          <p:cNvPr id="22" name="橢圓 21">
+            <a:extLst>
+              <a:ext uri="{FF2B5EF4-FFF2-40B4-BE49-F238E27FC236}">
+                <a16:creationId xmlns:a16="http://schemas.microsoft.com/office/drawing/2014/main" id="{763FEEBA-4A46-4D11-9403-0B83E9C6259D}"/>
+              </a:ext>
+            </a:extLst>
+          </p:cNvPr>
+          <p:cNvSpPr/>
+          <p:nvPr/>
+        </p:nvSpPr>
+        <p:spPr>
+          <a:xfrm>
+            <a:off x="8187655" y="1944151"/>
+            <a:ext cx="964734" cy="964734"/>
+          </a:xfrm>
+          <a:prstGeom prst="ellipse">
+            <a:avLst/>
+          </a:prstGeom>
+          <a:solidFill>
+            <a:schemeClr val="accent2">
+              <a:lumMod val="60000"/>
+              <a:lumOff val="40000"/>
+            </a:schemeClr>
+          </a:solidFill>
+          <a:ln>
+            <a:solidFill>
+              <a:schemeClr val="accent2">
+                <a:lumMod val="50000"/>
+              </a:schemeClr>
+            </a:solidFill>
+          </a:ln>
+        </p:spPr>
+        <p:style>
+          <a:lnRef idx="2">
+            <a:schemeClr val="accent1">
+              <a:shade val="50000"/>
+            </a:schemeClr>
+          </a:lnRef>
+          <a:fillRef idx="1">
+            <a:schemeClr val="accent1"/>
+          </a:fillRef>
+          <a:effectRef idx="0">
+            <a:schemeClr val="accent1"/>
+          </a:effectRef>
+          <a:fontRef idx="minor">
+            <a:schemeClr val="lt1"/>
+          </a:fontRef>
+        </p:style>
+        <p:txBody>
+          <a:bodyPr rtlCol="0" anchor="ctr"/>
+          <a:lstStyle/>
+          <a:p>
+            <a:pPr algn="ctr"/>
+            <a:r>
+              <a:rPr lang="zh-TW" altLang="en-US" sz="2400" b="1" dirty="0">
+                <a:solidFill>
+                  <a:schemeClr val="tx1"/>
+                </a:solidFill>
+              </a:rPr>
+              <a:t>彩金</a:t>
+            </a:r>
+            <a:endParaRPr lang="zh-TW" altLang="en-US" b="1" dirty="0">
+              <a:solidFill>
+                <a:schemeClr val="tx1"/>
+              </a:solidFill>
+            </a:endParaRPr>
+          </a:p>
+        </p:txBody>
+      </p:sp>
+      <p:grpSp>
+        <p:nvGrpSpPr>
+          <p:cNvPr id="33" name="群組 32">
+            <a:extLst>
+              <a:ext uri="{FF2B5EF4-FFF2-40B4-BE49-F238E27FC236}">
+                <a16:creationId xmlns:a16="http://schemas.microsoft.com/office/drawing/2014/main" id="{3004593B-1EF2-4A84-9647-4EF38C227A17}"/>
+              </a:ext>
+            </a:extLst>
+          </p:cNvPr>
+          <p:cNvGrpSpPr/>
+          <p:nvPr/>
+        </p:nvGrpSpPr>
+        <p:grpSpPr>
+          <a:xfrm>
+            <a:off x="4091031" y="3338122"/>
+            <a:ext cx="3045204" cy="3126291"/>
+            <a:chOff x="4091031" y="3338122"/>
+            <a:chExt cx="3045204" cy="3126291"/>
+          </a:xfrm>
+        </p:grpSpPr>
+        <p:sp>
+          <p:nvSpPr>
+            <p:cNvPr id="24" name="橢圓 23">
+              <a:extLst>
+                <a:ext uri="{FF2B5EF4-FFF2-40B4-BE49-F238E27FC236}">
+                  <a16:creationId xmlns:a16="http://schemas.microsoft.com/office/drawing/2014/main" id="{7F811B15-8799-4FAA-AA7C-1C38F8AAA935}"/>
+                </a:ext>
+              </a:extLst>
+            </p:cNvPr>
+            <p:cNvSpPr/>
+            <p:nvPr/>
+          </p:nvSpPr>
+          <p:spPr>
+            <a:xfrm>
+              <a:off x="5131266" y="3338122"/>
+              <a:ext cx="964734" cy="964734"/>
+            </a:xfrm>
+            <a:prstGeom prst="ellipse">
+              <a:avLst/>
+            </a:prstGeom>
+            <a:solidFill>
+              <a:schemeClr val="accent2">
+                <a:lumMod val="60000"/>
+                <a:lumOff val="40000"/>
+              </a:schemeClr>
+            </a:solidFill>
+            <a:ln>
+              <a:solidFill>
+                <a:schemeClr val="accent2">
+                  <a:lumMod val="50000"/>
+                </a:schemeClr>
+              </a:solidFill>
+            </a:ln>
+          </p:spPr>
+          <p:style>
+            <a:lnRef idx="2">
+              <a:schemeClr val="accent1">
+                <a:shade val="50000"/>
+              </a:schemeClr>
+            </a:lnRef>
+            <a:fillRef idx="1">
+              <a:schemeClr val="accent1"/>
+            </a:fillRef>
+            <a:effectRef idx="0">
+              <a:schemeClr val="accent1"/>
+            </a:effectRef>
+            <a:fontRef idx="minor">
+              <a:schemeClr val="lt1"/>
+            </a:fontRef>
+          </p:style>
+          <p:txBody>
+            <a:bodyPr rtlCol="0" anchor="ctr"/>
+            <a:lstStyle/>
+            <a:p>
+              <a:pPr algn="ctr"/>
+              <a:r>
+                <a:rPr lang="zh-TW" altLang="en-US" sz="2400" b="1" dirty="0">
+                  <a:solidFill>
+                    <a:schemeClr val="tx1"/>
+                  </a:solidFill>
+                </a:rPr>
+                <a:t>五枚</a:t>
+              </a:r>
+              <a:endParaRPr lang="zh-TW" altLang="en-US" b="1" dirty="0">
+                <a:solidFill>
+                  <a:schemeClr val="tx1"/>
+                </a:solidFill>
+              </a:endParaRPr>
+            </a:p>
+          </p:txBody>
+        </p:sp>
+        <p:sp>
+          <p:nvSpPr>
+            <p:cNvPr id="25" name="橢圓 24">
+              <a:extLst>
+                <a:ext uri="{FF2B5EF4-FFF2-40B4-BE49-F238E27FC236}">
+                  <a16:creationId xmlns:a16="http://schemas.microsoft.com/office/drawing/2014/main" id="{3CC891B8-58C5-42B8-9982-D0E9CC9ADD64}"/>
+                </a:ext>
+              </a:extLst>
+            </p:cNvPr>
+            <p:cNvSpPr/>
+            <p:nvPr/>
+          </p:nvSpPr>
+          <p:spPr>
+            <a:xfrm>
+              <a:off x="6171501" y="3338122"/>
+              <a:ext cx="964734" cy="964734"/>
+            </a:xfrm>
+            <a:prstGeom prst="ellipse">
+              <a:avLst/>
+            </a:prstGeom>
+            <a:solidFill>
+              <a:schemeClr val="accent2">
+                <a:lumMod val="60000"/>
+                <a:lumOff val="40000"/>
+              </a:schemeClr>
+            </a:solidFill>
+            <a:ln>
+              <a:solidFill>
+                <a:schemeClr val="accent2">
+                  <a:lumMod val="50000"/>
+                </a:schemeClr>
+              </a:solidFill>
+            </a:ln>
+          </p:spPr>
+          <p:style>
+            <a:lnRef idx="2">
+              <a:schemeClr val="accent1">
+                <a:shade val="50000"/>
+              </a:schemeClr>
+            </a:lnRef>
+            <a:fillRef idx="1">
+              <a:schemeClr val="accent1"/>
+            </a:fillRef>
+            <a:effectRef idx="0">
+              <a:schemeClr val="accent1"/>
+            </a:effectRef>
+            <a:fontRef idx="minor">
+              <a:schemeClr val="lt1"/>
+            </a:fontRef>
+          </p:style>
+          <p:txBody>
+            <a:bodyPr rtlCol="0" anchor="ctr"/>
+            <a:lstStyle/>
+            <a:p>
+              <a:pPr algn="ctr"/>
+              <a:r>
+                <a:rPr lang="zh-TW" altLang="en-US" sz="2000" b="1" dirty="0">
+                  <a:solidFill>
+                    <a:schemeClr val="tx1"/>
+                  </a:solidFill>
+                </a:rPr>
+                <a:t>同花順</a:t>
+              </a:r>
+              <a:endParaRPr lang="zh-TW" altLang="en-US" sz="1600" b="1" dirty="0">
+                <a:solidFill>
+                  <a:schemeClr val="tx1"/>
+                </a:solidFill>
+              </a:endParaRPr>
+            </a:p>
+          </p:txBody>
+        </p:sp>
+        <p:sp>
+          <p:nvSpPr>
+            <p:cNvPr id="26" name="橢圓 25">
+              <a:extLst>
+                <a:ext uri="{FF2B5EF4-FFF2-40B4-BE49-F238E27FC236}">
+                  <a16:creationId xmlns:a16="http://schemas.microsoft.com/office/drawing/2014/main" id="{017EE466-EED6-4598-A871-DF76B2C2FF7B}"/>
+                </a:ext>
+              </a:extLst>
+            </p:cNvPr>
+            <p:cNvSpPr/>
+            <p:nvPr/>
+          </p:nvSpPr>
+          <p:spPr>
+            <a:xfrm>
+              <a:off x="4091031" y="4427290"/>
+              <a:ext cx="964734" cy="964734"/>
+            </a:xfrm>
+            <a:prstGeom prst="ellipse">
+              <a:avLst/>
+            </a:prstGeom>
+            <a:solidFill>
+              <a:schemeClr val="accent2">
+                <a:lumMod val="60000"/>
+                <a:lumOff val="40000"/>
+              </a:schemeClr>
+            </a:solidFill>
+            <a:ln>
+              <a:solidFill>
+                <a:schemeClr val="accent2">
+                  <a:lumMod val="50000"/>
+                </a:schemeClr>
+              </a:solidFill>
+            </a:ln>
+          </p:spPr>
+          <p:style>
+            <a:lnRef idx="2">
+              <a:schemeClr val="accent1">
+                <a:shade val="50000"/>
+              </a:schemeClr>
+            </a:lnRef>
+            <a:fillRef idx="1">
+              <a:schemeClr val="accent1"/>
+            </a:fillRef>
+            <a:effectRef idx="0">
+              <a:schemeClr val="accent1"/>
+            </a:effectRef>
+            <a:fontRef idx="minor">
+              <a:schemeClr val="lt1"/>
+            </a:fontRef>
+          </p:style>
+          <p:txBody>
+            <a:bodyPr rtlCol="0" anchor="ctr"/>
+            <a:lstStyle/>
+            <a:p>
+              <a:pPr algn="ctr"/>
+              <a:r>
+                <a:rPr lang="zh-TW" altLang="en-US" sz="2400" b="1" dirty="0">
+                  <a:solidFill>
+                    <a:schemeClr val="tx1"/>
+                  </a:solidFill>
+                </a:rPr>
+                <a:t>鐵支</a:t>
+              </a:r>
+              <a:endParaRPr lang="zh-TW" altLang="en-US" b="1" dirty="0">
+                <a:solidFill>
+                  <a:schemeClr val="tx1"/>
+                </a:solidFill>
+              </a:endParaRPr>
+            </a:p>
+          </p:txBody>
+        </p:sp>
+        <p:sp>
+          <p:nvSpPr>
+            <p:cNvPr id="27" name="橢圓 26">
+              <a:extLst>
+                <a:ext uri="{FF2B5EF4-FFF2-40B4-BE49-F238E27FC236}">
+                  <a16:creationId xmlns:a16="http://schemas.microsoft.com/office/drawing/2014/main" id="{8E233ADB-739E-4EB1-BB1B-4817A0946AF3}"/>
+                </a:ext>
+              </a:extLst>
+            </p:cNvPr>
+            <p:cNvSpPr/>
+            <p:nvPr/>
+          </p:nvSpPr>
+          <p:spPr>
+            <a:xfrm>
+              <a:off x="5131266" y="4427290"/>
+              <a:ext cx="964734" cy="964734"/>
+            </a:xfrm>
+            <a:prstGeom prst="ellipse">
+              <a:avLst/>
+            </a:prstGeom>
+            <a:solidFill>
+              <a:schemeClr val="accent2">
+                <a:lumMod val="60000"/>
+                <a:lumOff val="40000"/>
+              </a:schemeClr>
+            </a:solidFill>
+            <a:ln>
+              <a:solidFill>
+                <a:schemeClr val="accent2">
+                  <a:lumMod val="50000"/>
+                </a:schemeClr>
+              </a:solidFill>
+            </a:ln>
+          </p:spPr>
+          <p:style>
+            <a:lnRef idx="2">
+              <a:schemeClr val="accent1">
+                <a:shade val="50000"/>
+              </a:schemeClr>
+            </a:lnRef>
+            <a:fillRef idx="1">
+              <a:schemeClr val="accent1"/>
+            </a:fillRef>
+            <a:effectRef idx="0">
+              <a:schemeClr val="accent1"/>
+            </a:effectRef>
+            <a:fontRef idx="minor">
+              <a:schemeClr val="lt1"/>
+            </a:fontRef>
+          </p:style>
+          <p:txBody>
+            <a:bodyPr rtlCol="0" anchor="ctr"/>
+            <a:lstStyle/>
+            <a:p>
+              <a:pPr algn="ctr"/>
+              <a:r>
+                <a:rPr lang="zh-TW" altLang="en-US" sz="2400" b="1" dirty="0">
+                  <a:solidFill>
+                    <a:schemeClr val="tx1"/>
+                  </a:solidFill>
+                </a:rPr>
+                <a:t>葫蘆</a:t>
+              </a:r>
+              <a:endParaRPr lang="zh-TW" altLang="en-US" sz="1600" b="1" dirty="0">
+                <a:solidFill>
+                  <a:schemeClr val="tx1"/>
+                </a:solidFill>
+              </a:endParaRPr>
+            </a:p>
+          </p:txBody>
+        </p:sp>
+        <p:sp>
+          <p:nvSpPr>
+            <p:cNvPr id="28" name="橢圓 27">
+              <a:extLst>
+                <a:ext uri="{FF2B5EF4-FFF2-40B4-BE49-F238E27FC236}">
+                  <a16:creationId xmlns:a16="http://schemas.microsoft.com/office/drawing/2014/main" id="{A5E29D4D-4262-4B82-AEDF-BBD48B1143A2}"/>
+                </a:ext>
+              </a:extLst>
+            </p:cNvPr>
+            <p:cNvSpPr/>
+            <p:nvPr/>
+          </p:nvSpPr>
+          <p:spPr>
+            <a:xfrm>
+              <a:off x="6171501" y="4427290"/>
+              <a:ext cx="964734" cy="964734"/>
+            </a:xfrm>
+            <a:prstGeom prst="ellipse">
+              <a:avLst/>
+            </a:prstGeom>
+            <a:solidFill>
+              <a:schemeClr val="accent2">
+                <a:lumMod val="60000"/>
+                <a:lumOff val="40000"/>
+              </a:schemeClr>
+            </a:solidFill>
+            <a:ln>
+              <a:solidFill>
+                <a:schemeClr val="accent2">
+                  <a:lumMod val="50000"/>
+                </a:schemeClr>
+              </a:solidFill>
+            </a:ln>
+          </p:spPr>
+          <p:style>
+            <a:lnRef idx="2">
+              <a:schemeClr val="accent1">
+                <a:shade val="50000"/>
+              </a:schemeClr>
+            </a:lnRef>
+            <a:fillRef idx="1">
+              <a:schemeClr val="accent1"/>
+            </a:fillRef>
+            <a:effectRef idx="0">
+              <a:schemeClr val="accent1"/>
+            </a:effectRef>
+            <a:fontRef idx="minor">
+              <a:schemeClr val="lt1"/>
+            </a:fontRef>
+          </p:style>
+          <p:txBody>
+            <a:bodyPr rtlCol="0" anchor="ctr"/>
+            <a:lstStyle/>
+            <a:p>
+              <a:pPr algn="ctr"/>
+              <a:r>
+                <a:rPr lang="zh-TW" altLang="en-US" sz="2400" b="1" dirty="0">
+                  <a:solidFill>
+                    <a:schemeClr val="tx1"/>
+                  </a:solidFill>
+                </a:rPr>
+                <a:t>同花</a:t>
+              </a:r>
+              <a:endParaRPr lang="zh-TW" altLang="en-US" b="1" dirty="0">
+                <a:solidFill>
+                  <a:schemeClr val="tx1"/>
+                </a:solidFill>
+              </a:endParaRPr>
+            </a:p>
+          </p:txBody>
+        </p:sp>
+        <p:sp>
+          <p:nvSpPr>
+            <p:cNvPr id="29" name="橢圓 28">
+              <a:extLst>
+                <a:ext uri="{FF2B5EF4-FFF2-40B4-BE49-F238E27FC236}">
+                  <a16:creationId xmlns:a16="http://schemas.microsoft.com/office/drawing/2014/main" id="{0A5F7ABC-CE3A-44B4-9E98-DA61B1C29A42}"/>
+                </a:ext>
+              </a:extLst>
+            </p:cNvPr>
+            <p:cNvSpPr/>
+            <p:nvPr/>
+          </p:nvSpPr>
+          <p:spPr>
+            <a:xfrm>
+              <a:off x="4091031" y="5499679"/>
+              <a:ext cx="964734" cy="964734"/>
+            </a:xfrm>
+            <a:prstGeom prst="ellipse">
+              <a:avLst/>
+            </a:prstGeom>
+            <a:solidFill>
+              <a:schemeClr val="accent2">
+                <a:lumMod val="60000"/>
+                <a:lumOff val="40000"/>
+              </a:schemeClr>
+            </a:solidFill>
+            <a:ln>
+              <a:solidFill>
+                <a:schemeClr val="accent2">
+                  <a:lumMod val="50000"/>
+                </a:schemeClr>
+              </a:solidFill>
+            </a:ln>
+          </p:spPr>
+          <p:style>
+            <a:lnRef idx="2">
+              <a:schemeClr val="accent1">
+                <a:shade val="50000"/>
+              </a:schemeClr>
+            </a:lnRef>
+            <a:fillRef idx="1">
+              <a:schemeClr val="accent1"/>
+            </a:fillRef>
+            <a:effectRef idx="0">
+              <a:schemeClr val="accent1"/>
+            </a:effectRef>
+            <a:fontRef idx="minor">
+              <a:schemeClr val="lt1"/>
+            </a:fontRef>
+          </p:style>
+          <p:txBody>
+            <a:bodyPr rtlCol="0" anchor="ctr"/>
+            <a:lstStyle/>
+            <a:p>
+              <a:pPr algn="ctr"/>
+              <a:r>
+                <a:rPr lang="zh-TW" altLang="en-US" sz="2400" b="1" dirty="0">
+                  <a:solidFill>
+                    <a:schemeClr val="tx1"/>
+                  </a:solidFill>
+                </a:rPr>
+                <a:t>順子</a:t>
+              </a:r>
+              <a:endParaRPr lang="zh-TW" altLang="en-US" sz="1600" b="1" dirty="0">
+                <a:solidFill>
+                  <a:schemeClr val="tx1"/>
+                </a:solidFill>
+              </a:endParaRPr>
+            </a:p>
+          </p:txBody>
+        </p:sp>
+        <p:sp>
+          <p:nvSpPr>
+            <p:cNvPr id="30" name="橢圓 29">
+              <a:extLst>
+                <a:ext uri="{FF2B5EF4-FFF2-40B4-BE49-F238E27FC236}">
+                  <a16:creationId xmlns:a16="http://schemas.microsoft.com/office/drawing/2014/main" id="{21AB5AC0-AD07-455D-9A94-31F9665658BC}"/>
+                </a:ext>
+              </a:extLst>
+            </p:cNvPr>
+            <p:cNvSpPr/>
+            <p:nvPr/>
+          </p:nvSpPr>
+          <p:spPr>
+            <a:xfrm>
+              <a:off x="5131266" y="5499679"/>
+              <a:ext cx="964734" cy="964734"/>
+            </a:xfrm>
+            <a:prstGeom prst="ellipse">
+              <a:avLst/>
+            </a:prstGeom>
+            <a:solidFill>
+              <a:schemeClr val="accent2">
+                <a:lumMod val="60000"/>
+                <a:lumOff val="40000"/>
+              </a:schemeClr>
+            </a:solidFill>
+            <a:ln>
+              <a:solidFill>
+                <a:schemeClr val="accent2">
+                  <a:lumMod val="50000"/>
+                </a:schemeClr>
+              </a:solidFill>
+            </a:ln>
+          </p:spPr>
+          <p:style>
+            <a:lnRef idx="2">
+              <a:schemeClr val="accent1">
+                <a:shade val="50000"/>
+              </a:schemeClr>
+            </a:lnRef>
+            <a:fillRef idx="1">
+              <a:schemeClr val="accent1"/>
+            </a:fillRef>
+            <a:effectRef idx="0">
+              <a:schemeClr val="accent1"/>
+            </a:effectRef>
+            <a:fontRef idx="minor">
+              <a:schemeClr val="lt1"/>
+            </a:fontRef>
+          </p:style>
+          <p:txBody>
+            <a:bodyPr rtlCol="0" anchor="ctr"/>
+            <a:lstStyle/>
+            <a:p>
+              <a:pPr algn="ctr"/>
+              <a:r>
+                <a:rPr lang="zh-TW" altLang="en-US" sz="2400" b="1" dirty="0">
+                  <a:solidFill>
+                    <a:schemeClr val="tx1"/>
+                  </a:solidFill>
+                </a:rPr>
+                <a:t>三條</a:t>
+              </a:r>
+              <a:endParaRPr lang="zh-TW" altLang="en-US" b="1" dirty="0">
+                <a:solidFill>
+                  <a:schemeClr val="tx1"/>
+                </a:solidFill>
+              </a:endParaRPr>
+            </a:p>
+          </p:txBody>
+        </p:sp>
+        <p:sp>
+          <p:nvSpPr>
+            <p:cNvPr id="31" name="橢圓 30">
+              <a:extLst>
+                <a:ext uri="{FF2B5EF4-FFF2-40B4-BE49-F238E27FC236}">
+                  <a16:creationId xmlns:a16="http://schemas.microsoft.com/office/drawing/2014/main" id="{55D6982C-2A35-48F0-B02C-5507CA17983F}"/>
+                </a:ext>
+              </a:extLst>
+            </p:cNvPr>
+            <p:cNvSpPr/>
+            <p:nvPr/>
+          </p:nvSpPr>
+          <p:spPr>
+            <a:xfrm>
+              <a:off x="6171501" y="5499679"/>
+              <a:ext cx="964734" cy="964734"/>
+            </a:xfrm>
+            <a:prstGeom prst="ellipse">
+              <a:avLst/>
+            </a:prstGeom>
+            <a:solidFill>
+              <a:schemeClr val="accent2">
+                <a:lumMod val="60000"/>
+                <a:lumOff val="40000"/>
+              </a:schemeClr>
+            </a:solidFill>
+            <a:ln>
+              <a:solidFill>
+                <a:schemeClr val="accent2">
+                  <a:lumMod val="50000"/>
+                </a:schemeClr>
+              </a:solidFill>
+            </a:ln>
+          </p:spPr>
+          <p:style>
+            <a:lnRef idx="2">
+              <a:schemeClr val="accent1">
+                <a:shade val="50000"/>
+              </a:schemeClr>
+            </a:lnRef>
+            <a:fillRef idx="1">
+              <a:schemeClr val="accent1"/>
+            </a:fillRef>
+            <a:effectRef idx="0">
+              <a:schemeClr val="accent1"/>
+            </a:effectRef>
+            <a:fontRef idx="minor">
+              <a:schemeClr val="lt1"/>
+            </a:fontRef>
+          </p:style>
+          <p:txBody>
+            <a:bodyPr rtlCol="0" anchor="ctr"/>
+            <a:lstStyle/>
+            <a:p>
+              <a:pPr algn="ctr"/>
+              <a:r>
+                <a:rPr lang="zh-TW" altLang="en-US" sz="2400" b="1" dirty="0">
+                  <a:solidFill>
+                    <a:schemeClr val="tx1"/>
+                  </a:solidFill>
+                </a:rPr>
+                <a:t>對子</a:t>
+              </a:r>
+              <a:endParaRPr lang="zh-TW" altLang="en-US" sz="1600" b="1" dirty="0">
+                <a:solidFill>
+                  <a:schemeClr val="tx1"/>
+                </a:solidFill>
+              </a:endParaRPr>
+            </a:p>
+          </p:txBody>
+        </p:sp>
+        <p:sp>
+          <p:nvSpPr>
+            <p:cNvPr id="32" name="橢圓 31">
+              <a:extLst>
+                <a:ext uri="{FF2B5EF4-FFF2-40B4-BE49-F238E27FC236}">
+                  <a16:creationId xmlns:a16="http://schemas.microsoft.com/office/drawing/2014/main" id="{CACAA3D9-21C4-4C87-8EBD-0367012A5410}"/>
+                </a:ext>
+              </a:extLst>
+            </p:cNvPr>
+            <p:cNvSpPr/>
+            <p:nvPr/>
+          </p:nvSpPr>
+          <p:spPr>
+            <a:xfrm>
+              <a:off x="4091031" y="3338122"/>
+              <a:ext cx="964734" cy="964734"/>
+            </a:xfrm>
+            <a:prstGeom prst="ellipse">
+              <a:avLst/>
+            </a:prstGeom>
+            <a:solidFill>
+              <a:schemeClr val="accent2">
+                <a:lumMod val="60000"/>
+                <a:lumOff val="40000"/>
+              </a:schemeClr>
+            </a:solidFill>
+            <a:ln>
+              <a:solidFill>
+                <a:schemeClr val="accent2">
+                  <a:lumMod val="50000"/>
+                </a:schemeClr>
+              </a:solidFill>
+            </a:ln>
+          </p:spPr>
+          <p:style>
+            <a:lnRef idx="2">
+              <a:schemeClr val="accent1">
+                <a:shade val="50000"/>
+              </a:schemeClr>
+            </a:lnRef>
+            <a:fillRef idx="1">
+              <a:schemeClr val="accent1"/>
+            </a:fillRef>
+            <a:effectRef idx="0">
+              <a:schemeClr val="accent1"/>
+            </a:effectRef>
+            <a:fontRef idx="minor">
+              <a:schemeClr val="lt1"/>
+            </a:fontRef>
+          </p:style>
+          <p:txBody>
+            <a:bodyPr rtlCol="0" anchor="ctr"/>
+            <a:lstStyle/>
+            <a:p>
+              <a:pPr algn="ctr"/>
+              <a:r>
+                <a:rPr lang="zh-TW" altLang="en-US" sz="2400" b="1" dirty="0">
+                  <a:solidFill>
+                    <a:schemeClr val="tx1"/>
+                  </a:solidFill>
+                </a:rPr>
+                <a:t>彩金</a:t>
+              </a:r>
+              <a:endParaRPr lang="zh-TW" altLang="en-US" b="1" dirty="0">
+                <a:solidFill>
+                  <a:schemeClr val="tx1"/>
+                </a:solidFill>
+              </a:endParaRPr>
+            </a:p>
+          </p:txBody>
+        </p:sp>
+      </p:grpSp>
     </p:spTree>
     <p:extLst>
       <p:ext uri="{BB962C8B-B14F-4D97-AF65-F5344CB8AC3E}">
@@ -5211,7 +6510,7 @@
         </p:nvSpPr>
         <p:spPr>
           <a:xfrm>
-            <a:off x="2810313" y="1375793"/>
+            <a:off x="813733" y="142611"/>
             <a:ext cx="2172749" cy="2172749"/>
           </a:xfrm>
           <a:prstGeom prst="roundRect">
@@ -5276,7 +6575,7 @@
         </p:nvSpPr>
         <p:spPr>
           <a:xfrm>
-            <a:off x="5965972" y="1375792"/>
+            <a:off x="3457663" y="142611"/>
             <a:ext cx="2172749" cy="2172749"/>
           </a:xfrm>
           <a:prstGeom prst="roundRect">
@@ -5328,6 +6627,769 @@
           </a:p>
         </p:txBody>
       </p:sp>
+      <p:sp>
+        <p:nvSpPr>
+          <p:cNvPr id="2" name="矩形: 圓角 1">
+            <a:extLst>
+              <a:ext uri="{FF2B5EF4-FFF2-40B4-BE49-F238E27FC236}">
+                <a16:creationId xmlns:a16="http://schemas.microsoft.com/office/drawing/2014/main" id="{8D026C55-459A-4242-BF8F-1F16B70FC1B2}"/>
+              </a:ext>
+            </a:extLst>
+          </p:cNvPr>
+          <p:cNvSpPr/>
+          <p:nvPr/>
+        </p:nvSpPr>
+        <p:spPr>
+          <a:xfrm>
+            <a:off x="738231" y="5729681"/>
+            <a:ext cx="1426129" cy="629174"/>
+          </a:xfrm>
+          <a:prstGeom prst="roundRect">
+            <a:avLst/>
+          </a:prstGeom>
+          <a:solidFill>
+            <a:srgbClr val="00B0F0"/>
+          </a:solidFill>
+          <a:ln w="38100"/>
+        </p:spPr>
+        <p:style>
+          <a:lnRef idx="2">
+            <a:schemeClr val="accent5">
+              <a:shade val="50000"/>
+            </a:schemeClr>
+          </a:lnRef>
+          <a:fillRef idx="1">
+            <a:schemeClr val="accent5"/>
+          </a:fillRef>
+          <a:effectRef idx="0">
+            <a:schemeClr val="accent5"/>
+          </a:effectRef>
+          <a:fontRef idx="minor">
+            <a:schemeClr val="lt1"/>
+          </a:fontRef>
+        </p:style>
+        <p:txBody>
+          <a:bodyPr rtlCol="0" anchor="ctr"/>
+          <a:lstStyle/>
+          <a:p>
+            <a:pPr algn="ctr"/>
+            <a:r>
+              <a:rPr lang="zh-TW" altLang="en-US" b="1" dirty="0">
+                <a:solidFill>
+                  <a:schemeClr val="tx1"/>
+                </a:solidFill>
+              </a:rPr>
+              <a:t>花色優先</a:t>
+            </a:r>
+          </a:p>
+        </p:txBody>
+      </p:sp>
+      <p:sp>
+        <p:nvSpPr>
+          <p:cNvPr id="7" name="矩形: 圓角 6">
+            <a:extLst>
+              <a:ext uri="{FF2B5EF4-FFF2-40B4-BE49-F238E27FC236}">
+                <a16:creationId xmlns:a16="http://schemas.microsoft.com/office/drawing/2014/main" id="{13515374-A2F3-4B79-8E2E-29B479346ECD}"/>
+              </a:ext>
+            </a:extLst>
+          </p:cNvPr>
+          <p:cNvSpPr/>
+          <p:nvPr/>
+        </p:nvSpPr>
+        <p:spPr>
+          <a:xfrm>
+            <a:off x="2442595" y="5729681"/>
+            <a:ext cx="1426129" cy="629174"/>
+          </a:xfrm>
+          <a:prstGeom prst="roundRect">
+            <a:avLst/>
+          </a:prstGeom>
+          <a:solidFill>
+            <a:srgbClr val="00B0F0"/>
+          </a:solidFill>
+          <a:ln w="38100"/>
+        </p:spPr>
+        <p:style>
+          <a:lnRef idx="2">
+            <a:schemeClr val="accent5">
+              <a:shade val="50000"/>
+            </a:schemeClr>
+          </a:lnRef>
+          <a:fillRef idx="1">
+            <a:schemeClr val="accent5"/>
+          </a:fillRef>
+          <a:effectRef idx="0">
+            <a:schemeClr val="accent5"/>
+          </a:effectRef>
+          <a:fontRef idx="minor">
+            <a:schemeClr val="lt1"/>
+          </a:fontRef>
+        </p:style>
+        <p:txBody>
+          <a:bodyPr rtlCol="0" anchor="ctr"/>
+          <a:lstStyle/>
+          <a:p>
+            <a:pPr algn="ctr"/>
+            <a:r>
+              <a:rPr lang="zh-TW" altLang="en-US" b="1" dirty="0">
+                <a:solidFill>
+                  <a:schemeClr val="tx1"/>
+                </a:solidFill>
+              </a:rPr>
+              <a:t>大小優先</a:t>
+            </a:r>
+          </a:p>
+        </p:txBody>
+      </p:sp>
+      <p:sp>
+        <p:nvSpPr>
+          <p:cNvPr id="3" name="橢圓 2">
+            <a:extLst>
+              <a:ext uri="{FF2B5EF4-FFF2-40B4-BE49-F238E27FC236}">
+                <a16:creationId xmlns:a16="http://schemas.microsoft.com/office/drawing/2014/main" id="{70D59579-1E42-4DFA-B12D-1D92017E7A04}"/>
+              </a:ext>
+            </a:extLst>
+          </p:cNvPr>
+          <p:cNvSpPr/>
+          <p:nvPr/>
+        </p:nvSpPr>
+        <p:spPr>
+          <a:xfrm>
+            <a:off x="813733" y="4790113"/>
+            <a:ext cx="788565" cy="788565"/>
+          </a:xfrm>
+          <a:prstGeom prst="ellipse">
+            <a:avLst/>
+          </a:prstGeom>
+        </p:spPr>
+        <p:style>
+          <a:lnRef idx="2">
+            <a:schemeClr val="accent4">
+              <a:shade val="50000"/>
+            </a:schemeClr>
+          </a:lnRef>
+          <a:fillRef idx="1">
+            <a:schemeClr val="accent4"/>
+          </a:fillRef>
+          <a:effectRef idx="0">
+            <a:schemeClr val="accent4"/>
+          </a:effectRef>
+          <a:fontRef idx="minor">
+            <a:schemeClr val="lt1"/>
+          </a:fontRef>
+        </p:style>
+        <p:txBody>
+          <a:bodyPr rtlCol="0" anchor="ctr"/>
+          <a:lstStyle/>
+          <a:p>
+            <a:pPr algn="ctr"/>
+            <a:r>
+              <a:rPr lang="zh-TW" altLang="en-US" sz="2800" b="1" dirty="0">
+                <a:solidFill>
+                  <a:schemeClr val="tx1"/>
+                </a:solidFill>
+              </a:rPr>
+              <a:t>頭</a:t>
+            </a:r>
+          </a:p>
+        </p:txBody>
+      </p:sp>
+      <p:sp>
+        <p:nvSpPr>
+          <p:cNvPr id="8" name="橢圓 7">
+            <a:extLst>
+              <a:ext uri="{FF2B5EF4-FFF2-40B4-BE49-F238E27FC236}">
+                <a16:creationId xmlns:a16="http://schemas.microsoft.com/office/drawing/2014/main" id="{1D20F64E-D5F3-43B9-AC77-CE5679D66ADA}"/>
+              </a:ext>
+            </a:extLst>
+          </p:cNvPr>
+          <p:cNvSpPr/>
+          <p:nvPr/>
+        </p:nvSpPr>
+        <p:spPr>
+          <a:xfrm>
+            <a:off x="1939955" y="4790112"/>
+            <a:ext cx="788565" cy="788565"/>
+          </a:xfrm>
+          <a:prstGeom prst="ellipse">
+            <a:avLst/>
+          </a:prstGeom>
+        </p:spPr>
+        <p:style>
+          <a:lnRef idx="2">
+            <a:schemeClr val="accent4">
+              <a:shade val="50000"/>
+            </a:schemeClr>
+          </a:lnRef>
+          <a:fillRef idx="1">
+            <a:schemeClr val="accent4"/>
+          </a:fillRef>
+          <a:effectRef idx="0">
+            <a:schemeClr val="accent4"/>
+          </a:effectRef>
+          <a:fontRef idx="minor">
+            <a:schemeClr val="lt1"/>
+          </a:fontRef>
+        </p:style>
+        <p:txBody>
+          <a:bodyPr rtlCol="0" anchor="ctr"/>
+          <a:lstStyle/>
+          <a:p>
+            <a:pPr algn="ctr"/>
+            <a:r>
+              <a:rPr lang="zh-TW" altLang="en-US" sz="2800" b="1" dirty="0">
+                <a:solidFill>
+                  <a:schemeClr val="tx1"/>
+                </a:solidFill>
+              </a:rPr>
+              <a:t>二</a:t>
+            </a:r>
+          </a:p>
+        </p:txBody>
+      </p:sp>
+      <p:sp>
+        <p:nvSpPr>
+          <p:cNvPr id="9" name="橢圓 8">
+            <a:extLst>
+              <a:ext uri="{FF2B5EF4-FFF2-40B4-BE49-F238E27FC236}">
+                <a16:creationId xmlns:a16="http://schemas.microsoft.com/office/drawing/2014/main" id="{BF481698-F911-4E54-9B79-FFE4BA40D4A5}"/>
+              </a:ext>
+            </a:extLst>
+          </p:cNvPr>
+          <p:cNvSpPr/>
+          <p:nvPr/>
+        </p:nvSpPr>
+        <p:spPr>
+          <a:xfrm>
+            <a:off x="3063380" y="4790113"/>
+            <a:ext cx="788565" cy="788565"/>
+          </a:xfrm>
+          <a:prstGeom prst="ellipse">
+            <a:avLst/>
+          </a:prstGeom>
+        </p:spPr>
+        <p:style>
+          <a:lnRef idx="2">
+            <a:schemeClr val="accent4">
+              <a:shade val="50000"/>
+            </a:schemeClr>
+          </a:lnRef>
+          <a:fillRef idx="1">
+            <a:schemeClr val="accent4"/>
+          </a:fillRef>
+          <a:effectRef idx="0">
+            <a:schemeClr val="accent4"/>
+          </a:effectRef>
+          <a:fontRef idx="minor">
+            <a:schemeClr val="lt1"/>
+          </a:fontRef>
+        </p:style>
+        <p:txBody>
+          <a:bodyPr rtlCol="0" anchor="ctr"/>
+          <a:lstStyle/>
+          <a:p>
+            <a:pPr algn="ctr"/>
+            <a:r>
+              <a:rPr lang="zh-TW" altLang="en-US" sz="2800" b="1" dirty="0">
+                <a:solidFill>
+                  <a:schemeClr val="tx1"/>
+                </a:solidFill>
+              </a:rPr>
+              <a:t>尾</a:t>
+            </a:r>
+          </a:p>
+        </p:txBody>
+      </p:sp>
+      <p:sp>
+        <p:nvSpPr>
+          <p:cNvPr id="10" name="矩形: 圓角 9">
+            <a:extLst>
+              <a:ext uri="{FF2B5EF4-FFF2-40B4-BE49-F238E27FC236}">
+                <a16:creationId xmlns:a16="http://schemas.microsoft.com/office/drawing/2014/main" id="{88DCA6CB-10FC-4C24-92D8-F1BF9934E11D}"/>
+              </a:ext>
+            </a:extLst>
+          </p:cNvPr>
+          <p:cNvSpPr/>
+          <p:nvPr/>
+        </p:nvSpPr>
+        <p:spPr>
+          <a:xfrm>
+            <a:off x="1256252" y="3777145"/>
+            <a:ext cx="916498" cy="916498"/>
+          </a:xfrm>
+          <a:prstGeom prst="roundRect">
+            <a:avLst/>
+          </a:prstGeom>
+        </p:spPr>
+        <p:style>
+          <a:lnRef idx="2">
+            <a:schemeClr val="accent6">
+              <a:shade val="50000"/>
+            </a:schemeClr>
+          </a:lnRef>
+          <a:fillRef idx="1">
+            <a:schemeClr val="accent6"/>
+          </a:fillRef>
+          <a:effectRef idx="0">
+            <a:schemeClr val="accent6"/>
+          </a:effectRef>
+          <a:fontRef idx="minor">
+            <a:schemeClr val="lt1"/>
+          </a:fontRef>
+        </p:style>
+        <p:txBody>
+          <a:bodyPr rtlCol="0" anchor="ctr"/>
+          <a:lstStyle/>
+          <a:p>
+            <a:pPr algn="ctr"/>
+            <a:r>
+              <a:rPr lang="zh-TW" altLang="en-US" dirty="0"/>
+              <a:t>清空牌型</a:t>
+            </a:r>
+          </a:p>
+        </p:txBody>
+      </p:sp>
+      <p:sp>
+        <p:nvSpPr>
+          <p:cNvPr id="11" name="矩形: 圓角 10">
+            <a:extLst>
+              <a:ext uri="{FF2B5EF4-FFF2-40B4-BE49-F238E27FC236}">
+                <a16:creationId xmlns:a16="http://schemas.microsoft.com/office/drawing/2014/main" id="{224481D7-2F04-4F08-B843-192FAA0568E9}"/>
+              </a:ext>
+            </a:extLst>
+          </p:cNvPr>
+          <p:cNvSpPr/>
+          <p:nvPr/>
+        </p:nvSpPr>
+        <p:spPr>
+          <a:xfrm>
+            <a:off x="2442595" y="3777145"/>
+            <a:ext cx="916498" cy="916498"/>
+          </a:xfrm>
+          <a:prstGeom prst="roundRect">
+            <a:avLst/>
+          </a:prstGeom>
+        </p:spPr>
+        <p:style>
+          <a:lnRef idx="2">
+            <a:schemeClr val="accent6">
+              <a:shade val="50000"/>
+            </a:schemeClr>
+          </a:lnRef>
+          <a:fillRef idx="1">
+            <a:schemeClr val="accent6"/>
+          </a:fillRef>
+          <a:effectRef idx="0">
+            <a:schemeClr val="accent6"/>
+          </a:effectRef>
+          <a:fontRef idx="minor">
+            <a:schemeClr val="lt1"/>
+          </a:fontRef>
+        </p:style>
+        <p:txBody>
+          <a:bodyPr rtlCol="0" anchor="ctr"/>
+          <a:lstStyle/>
+          <a:p>
+            <a:pPr algn="ctr"/>
+            <a:r>
+              <a:rPr lang="zh-TW" altLang="en-US" dirty="0"/>
+              <a:t>自動出牌</a:t>
+            </a:r>
+          </a:p>
+        </p:txBody>
+      </p:sp>
+      <p:grpSp>
+        <p:nvGrpSpPr>
+          <p:cNvPr id="19" name="群組 18">
+            <a:extLst>
+              <a:ext uri="{FF2B5EF4-FFF2-40B4-BE49-F238E27FC236}">
+                <a16:creationId xmlns:a16="http://schemas.microsoft.com/office/drawing/2014/main" id="{4CA00174-733E-4C2A-8680-65DDE45B66E8}"/>
+              </a:ext>
+            </a:extLst>
+          </p:cNvPr>
+          <p:cNvGrpSpPr/>
+          <p:nvPr/>
+        </p:nvGrpSpPr>
+        <p:grpSpPr>
+          <a:xfrm>
+            <a:off x="6049163" y="3661098"/>
+            <a:ext cx="3130493" cy="2581710"/>
+            <a:chOff x="6049163" y="3661098"/>
+            <a:chExt cx="3130493" cy="2581710"/>
+          </a:xfrm>
+        </p:grpSpPr>
+        <p:sp>
+          <p:nvSpPr>
+            <p:cNvPr id="12" name="矩形: 圓角 11">
+              <a:extLst>
+                <a:ext uri="{FF2B5EF4-FFF2-40B4-BE49-F238E27FC236}">
+                  <a16:creationId xmlns:a16="http://schemas.microsoft.com/office/drawing/2014/main" id="{2158D223-6387-44F6-9CC9-9B2E2FDCB1C9}"/>
+                </a:ext>
+              </a:extLst>
+            </p:cNvPr>
+            <p:cNvSpPr/>
+            <p:nvPr/>
+          </p:nvSpPr>
+          <p:spPr>
+            <a:xfrm>
+              <a:off x="6049163" y="5613634"/>
+              <a:ext cx="1426129" cy="629174"/>
+            </a:xfrm>
+            <a:prstGeom prst="roundRect">
+              <a:avLst/>
+            </a:prstGeom>
+            <a:solidFill>
+              <a:srgbClr val="00B0F0"/>
+            </a:solidFill>
+            <a:ln w="38100"/>
+          </p:spPr>
+          <p:style>
+            <a:lnRef idx="2">
+              <a:schemeClr val="accent5">
+                <a:shade val="50000"/>
+              </a:schemeClr>
+            </a:lnRef>
+            <a:fillRef idx="1">
+              <a:schemeClr val="accent5"/>
+            </a:fillRef>
+            <a:effectRef idx="0">
+              <a:schemeClr val="accent5"/>
+            </a:effectRef>
+            <a:fontRef idx="minor">
+              <a:schemeClr val="lt1"/>
+            </a:fontRef>
+          </p:style>
+          <p:txBody>
+            <a:bodyPr rtlCol="0" anchor="ctr"/>
+            <a:lstStyle/>
+            <a:p>
+              <a:pPr algn="ctr"/>
+              <a:r>
+                <a:rPr lang="zh-TW" altLang="en-US" b="1" dirty="0">
+                  <a:solidFill>
+                    <a:schemeClr val="tx1"/>
+                  </a:solidFill>
+                </a:rPr>
+                <a:t>花色優先</a:t>
+              </a:r>
+            </a:p>
+          </p:txBody>
+        </p:sp>
+        <p:sp>
+          <p:nvSpPr>
+            <p:cNvPr id="13" name="矩形: 圓角 12">
+              <a:extLst>
+                <a:ext uri="{FF2B5EF4-FFF2-40B4-BE49-F238E27FC236}">
+                  <a16:creationId xmlns:a16="http://schemas.microsoft.com/office/drawing/2014/main" id="{A5D8A437-1550-4570-8DAB-08AB8E7A4E7F}"/>
+                </a:ext>
+              </a:extLst>
+            </p:cNvPr>
+            <p:cNvSpPr/>
+            <p:nvPr/>
+          </p:nvSpPr>
+          <p:spPr>
+            <a:xfrm>
+              <a:off x="7753527" y="5613634"/>
+              <a:ext cx="1426129" cy="629174"/>
+            </a:xfrm>
+            <a:prstGeom prst="roundRect">
+              <a:avLst/>
+            </a:prstGeom>
+            <a:solidFill>
+              <a:srgbClr val="00B0F0"/>
+            </a:solidFill>
+            <a:ln w="38100"/>
+          </p:spPr>
+          <p:style>
+            <a:lnRef idx="2">
+              <a:schemeClr val="accent5">
+                <a:shade val="50000"/>
+              </a:schemeClr>
+            </a:lnRef>
+            <a:fillRef idx="1">
+              <a:schemeClr val="accent5"/>
+            </a:fillRef>
+            <a:effectRef idx="0">
+              <a:schemeClr val="accent5"/>
+            </a:effectRef>
+            <a:fontRef idx="minor">
+              <a:schemeClr val="lt1"/>
+            </a:fontRef>
+          </p:style>
+          <p:txBody>
+            <a:bodyPr rtlCol="0" anchor="ctr"/>
+            <a:lstStyle/>
+            <a:p>
+              <a:pPr algn="ctr"/>
+              <a:r>
+                <a:rPr lang="zh-TW" altLang="en-US" b="1" dirty="0">
+                  <a:solidFill>
+                    <a:schemeClr val="tx1"/>
+                  </a:solidFill>
+                </a:rPr>
+                <a:t>大小優先</a:t>
+              </a:r>
+            </a:p>
+          </p:txBody>
+        </p:sp>
+        <p:sp>
+          <p:nvSpPr>
+            <p:cNvPr id="14" name="橢圓 13">
+              <a:extLst>
+                <a:ext uri="{FF2B5EF4-FFF2-40B4-BE49-F238E27FC236}">
+                  <a16:creationId xmlns:a16="http://schemas.microsoft.com/office/drawing/2014/main" id="{F5602F47-8972-4379-8A29-F8DEB9262793}"/>
+                </a:ext>
+              </a:extLst>
+            </p:cNvPr>
+            <p:cNvSpPr/>
+            <p:nvPr/>
+          </p:nvSpPr>
+          <p:spPr>
+            <a:xfrm>
+              <a:off x="6124665" y="4674066"/>
+              <a:ext cx="788565" cy="788565"/>
+            </a:xfrm>
+            <a:prstGeom prst="ellipse">
+              <a:avLst/>
+            </a:prstGeom>
+          </p:spPr>
+          <p:style>
+            <a:lnRef idx="2">
+              <a:schemeClr val="accent4">
+                <a:shade val="50000"/>
+              </a:schemeClr>
+            </a:lnRef>
+            <a:fillRef idx="1">
+              <a:schemeClr val="accent4"/>
+            </a:fillRef>
+            <a:effectRef idx="0">
+              <a:schemeClr val="accent4"/>
+            </a:effectRef>
+            <a:fontRef idx="minor">
+              <a:schemeClr val="lt1"/>
+            </a:fontRef>
+          </p:style>
+          <p:txBody>
+            <a:bodyPr rtlCol="0" anchor="ctr"/>
+            <a:lstStyle/>
+            <a:p>
+              <a:pPr algn="ctr"/>
+              <a:r>
+                <a:rPr lang="zh-TW" altLang="en-US" sz="2800" b="1" dirty="0">
+                  <a:solidFill>
+                    <a:schemeClr val="tx1"/>
+                  </a:solidFill>
+                </a:rPr>
+                <a:t>頭</a:t>
+              </a:r>
+            </a:p>
+          </p:txBody>
+        </p:sp>
+        <p:sp>
+          <p:nvSpPr>
+            <p:cNvPr id="15" name="橢圓 14">
+              <a:extLst>
+                <a:ext uri="{FF2B5EF4-FFF2-40B4-BE49-F238E27FC236}">
+                  <a16:creationId xmlns:a16="http://schemas.microsoft.com/office/drawing/2014/main" id="{676FEFE7-1859-4A39-A24A-6B1A182D9708}"/>
+                </a:ext>
+              </a:extLst>
+            </p:cNvPr>
+            <p:cNvSpPr/>
+            <p:nvPr/>
+          </p:nvSpPr>
+          <p:spPr>
+            <a:xfrm>
+              <a:off x="7250887" y="4674065"/>
+              <a:ext cx="788565" cy="788565"/>
+            </a:xfrm>
+            <a:prstGeom prst="ellipse">
+              <a:avLst/>
+            </a:prstGeom>
+          </p:spPr>
+          <p:style>
+            <a:lnRef idx="2">
+              <a:schemeClr val="accent4">
+                <a:shade val="50000"/>
+              </a:schemeClr>
+            </a:lnRef>
+            <a:fillRef idx="1">
+              <a:schemeClr val="accent4"/>
+            </a:fillRef>
+            <a:effectRef idx="0">
+              <a:schemeClr val="accent4"/>
+            </a:effectRef>
+            <a:fontRef idx="minor">
+              <a:schemeClr val="lt1"/>
+            </a:fontRef>
+          </p:style>
+          <p:txBody>
+            <a:bodyPr rtlCol="0" anchor="ctr"/>
+            <a:lstStyle/>
+            <a:p>
+              <a:pPr algn="ctr"/>
+              <a:r>
+                <a:rPr lang="zh-TW" altLang="en-US" sz="2800" b="1" dirty="0">
+                  <a:solidFill>
+                    <a:schemeClr val="tx1"/>
+                  </a:solidFill>
+                </a:rPr>
+                <a:t>二</a:t>
+              </a:r>
+            </a:p>
+          </p:txBody>
+        </p:sp>
+        <p:sp>
+          <p:nvSpPr>
+            <p:cNvPr id="16" name="橢圓 15">
+              <a:extLst>
+                <a:ext uri="{FF2B5EF4-FFF2-40B4-BE49-F238E27FC236}">
+                  <a16:creationId xmlns:a16="http://schemas.microsoft.com/office/drawing/2014/main" id="{FF0145CB-2424-44B7-A8A5-7EE4BB9734D9}"/>
+                </a:ext>
+              </a:extLst>
+            </p:cNvPr>
+            <p:cNvSpPr/>
+            <p:nvPr/>
+          </p:nvSpPr>
+          <p:spPr>
+            <a:xfrm>
+              <a:off x="8374312" y="4674066"/>
+              <a:ext cx="788565" cy="788565"/>
+            </a:xfrm>
+            <a:prstGeom prst="ellipse">
+              <a:avLst/>
+            </a:prstGeom>
+          </p:spPr>
+          <p:style>
+            <a:lnRef idx="2">
+              <a:schemeClr val="accent4">
+                <a:shade val="50000"/>
+              </a:schemeClr>
+            </a:lnRef>
+            <a:fillRef idx="1">
+              <a:schemeClr val="accent4"/>
+            </a:fillRef>
+            <a:effectRef idx="0">
+              <a:schemeClr val="accent4"/>
+            </a:effectRef>
+            <a:fontRef idx="minor">
+              <a:schemeClr val="lt1"/>
+            </a:fontRef>
+          </p:style>
+          <p:txBody>
+            <a:bodyPr rtlCol="0" anchor="ctr"/>
+            <a:lstStyle/>
+            <a:p>
+              <a:pPr algn="ctr"/>
+              <a:r>
+                <a:rPr lang="zh-TW" altLang="en-US" sz="2800" b="1" dirty="0">
+                  <a:solidFill>
+                    <a:schemeClr val="tx1"/>
+                  </a:solidFill>
+                </a:rPr>
+                <a:t>尾</a:t>
+              </a:r>
+            </a:p>
+          </p:txBody>
+        </p:sp>
+        <p:sp>
+          <p:nvSpPr>
+            <p:cNvPr id="17" name="矩形: 圓角 16">
+              <a:extLst>
+                <a:ext uri="{FF2B5EF4-FFF2-40B4-BE49-F238E27FC236}">
+                  <a16:creationId xmlns:a16="http://schemas.microsoft.com/office/drawing/2014/main" id="{6B899652-589D-427F-B3D1-A192433C7CE8}"/>
+                </a:ext>
+              </a:extLst>
+            </p:cNvPr>
+            <p:cNvSpPr/>
+            <p:nvPr/>
+          </p:nvSpPr>
+          <p:spPr>
+            <a:xfrm>
+              <a:off x="6567184" y="3661098"/>
+              <a:ext cx="916498" cy="916498"/>
+            </a:xfrm>
+            <a:prstGeom prst="roundRect">
+              <a:avLst/>
+            </a:prstGeom>
+          </p:spPr>
+          <p:style>
+            <a:lnRef idx="2">
+              <a:schemeClr val="accent6">
+                <a:shade val="50000"/>
+              </a:schemeClr>
+            </a:lnRef>
+            <a:fillRef idx="1">
+              <a:schemeClr val="accent6"/>
+            </a:fillRef>
+            <a:effectRef idx="0">
+              <a:schemeClr val="accent6"/>
+            </a:effectRef>
+            <a:fontRef idx="minor">
+              <a:schemeClr val="lt1"/>
+            </a:fontRef>
+          </p:style>
+          <p:txBody>
+            <a:bodyPr rtlCol="0" anchor="ctr"/>
+            <a:lstStyle/>
+            <a:p>
+              <a:pPr algn="ctr"/>
+              <a:r>
+                <a:rPr lang="zh-TW" altLang="en-US" dirty="0"/>
+                <a:t>清空牌型</a:t>
+              </a:r>
+            </a:p>
+          </p:txBody>
+        </p:sp>
+        <p:sp>
+          <p:nvSpPr>
+            <p:cNvPr id="18" name="矩形: 圓角 17">
+              <a:extLst>
+                <a:ext uri="{FF2B5EF4-FFF2-40B4-BE49-F238E27FC236}">
+                  <a16:creationId xmlns:a16="http://schemas.microsoft.com/office/drawing/2014/main" id="{B81B51C1-075C-4569-B2EB-F8801D41FA87}"/>
+                </a:ext>
+              </a:extLst>
+            </p:cNvPr>
+            <p:cNvSpPr/>
+            <p:nvPr/>
+          </p:nvSpPr>
+          <p:spPr>
+            <a:xfrm>
+              <a:off x="7753527" y="3661098"/>
+              <a:ext cx="916498" cy="916498"/>
+            </a:xfrm>
+            <a:prstGeom prst="roundRect">
+              <a:avLst/>
+            </a:prstGeom>
+          </p:spPr>
+          <p:style>
+            <a:lnRef idx="2">
+              <a:schemeClr val="accent6">
+                <a:shade val="50000"/>
+              </a:schemeClr>
+            </a:lnRef>
+            <a:fillRef idx="1">
+              <a:schemeClr val="accent6"/>
+            </a:fillRef>
+            <a:effectRef idx="0">
+              <a:schemeClr val="accent6"/>
+            </a:effectRef>
+            <a:fontRef idx="minor">
+              <a:schemeClr val="lt1"/>
+            </a:fontRef>
+          </p:style>
+          <p:txBody>
+            <a:bodyPr rtlCol="0" anchor="ctr"/>
+            <a:lstStyle/>
+            <a:p>
+              <a:pPr algn="ctr"/>
+              <a:r>
+                <a:rPr lang="zh-TW" altLang="en-US" dirty="0"/>
+                <a:t>自動出牌</a:t>
+              </a:r>
+            </a:p>
+          </p:txBody>
+        </p:sp>
+      </p:grpSp>
     </p:spTree>
     <p:extLst>
       <p:ext uri="{BB962C8B-B14F-4D97-AF65-F5344CB8AC3E}">

--- a/圖片製作.pptx
+++ b/圖片製作.pptx
@@ -262,7 +262,7 @@
           <a:p>
             <a:fld id="{736941B5-F94D-4F90-B8E7-367B548187DE}" type="datetimeFigureOut">
               <a:rPr lang="zh-TW" altLang="en-US" smtClean="0"/>
-              <a:t>2023/12/12</a:t>
+              <a:t>2023/12/15</a:t>
             </a:fld>
             <a:endParaRPr lang="zh-TW" altLang="en-US"/>
           </a:p>
@@ -460,7 +460,7 @@
           <a:p>
             <a:fld id="{736941B5-F94D-4F90-B8E7-367B548187DE}" type="datetimeFigureOut">
               <a:rPr lang="zh-TW" altLang="en-US" smtClean="0"/>
-              <a:t>2023/12/12</a:t>
+              <a:t>2023/12/15</a:t>
             </a:fld>
             <a:endParaRPr lang="zh-TW" altLang="en-US"/>
           </a:p>
@@ -668,7 +668,7 @@
           <a:p>
             <a:fld id="{736941B5-F94D-4F90-B8E7-367B548187DE}" type="datetimeFigureOut">
               <a:rPr lang="zh-TW" altLang="en-US" smtClean="0"/>
-              <a:t>2023/12/12</a:t>
+              <a:t>2023/12/15</a:t>
             </a:fld>
             <a:endParaRPr lang="zh-TW" altLang="en-US"/>
           </a:p>
@@ -866,7 +866,7 @@
           <a:p>
             <a:fld id="{736941B5-F94D-4F90-B8E7-367B548187DE}" type="datetimeFigureOut">
               <a:rPr lang="zh-TW" altLang="en-US" smtClean="0"/>
-              <a:t>2023/12/12</a:t>
+              <a:t>2023/12/15</a:t>
             </a:fld>
             <a:endParaRPr lang="zh-TW" altLang="en-US"/>
           </a:p>
@@ -1141,7 +1141,7 @@
           <a:p>
             <a:fld id="{736941B5-F94D-4F90-B8E7-367B548187DE}" type="datetimeFigureOut">
               <a:rPr lang="zh-TW" altLang="en-US" smtClean="0"/>
-              <a:t>2023/12/12</a:t>
+              <a:t>2023/12/15</a:t>
             </a:fld>
             <a:endParaRPr lang="zh-TW" altLang="en-US"/>
           </a:p>
@@ -1406,7 +1406,7 @@
           <a:p>
             <a:fld id="{736941B5-F94D-4F90-B8E7-367B548187DE}" type="datetimeFigureOut">
               <a:rPr lang="zh-TW" altLang="en-US" smtClean="0"/>
-              <a:t>2023/12/12</a:t>
+              <a:t>2023/12/15</a:t>
             </a:fld>
             <a:endParaRPr lang="zh-TW" altLang="en-US"/>
           </a:p>
@@ -1818,7 +1818,7 @@
           <a:p>
             <a:fld id="{736941B5-F94D-4F90-B8E7-367B548187DE}" type="datetimeFigureOut">
               <a:rPr lang="zh-TW" altLang="en-US" smtClean="0"/>
-              <a:t>2023/12/12</a:t>
+              <a:t>2023/12/15</a:t>
             </a:fld>
             <a:endParaRPr lang="zh-TW" altLang="en-US"/>
           </a:p>
@@ -1959,7 +1959,7 @@
           <a:p>
             <a:fld id="{736941B5-F94D-4F90-B8E7-367B548187DE}" type="datetimeFigureOut">
               <a:rPr lang="zh-TW" altLang="en-US" smtClean="0"/>
-              <a:t>2023/12/12</a:t>
+              <a:t>2023/12/15</a:t>
             </a:fld>
             <a:endParaRPr lang="zh-TW" altLang="en-US"/>
           </a:p>
@@ -2072,7 +2072,7 @@
           <a:p>
             <a:fld id="{736941B5-F94D-4F90-B8E7-367B548187DE}" type="datetimeFigureOut">
               <a:rPr lang="zh-TW" altLang="en-US" smtClean="0"/>
-              <a:t>2023/12/12</a:t>
+              <a:t>2023/12/15</a:t>
             </a:fld>
             <a:endParaRPr lang="zh-TW" altLang="en-US"/>
           </a:p>
@@ -2383,7 +2383,7 @@
           <a:p>
             <a:fld id="{736941B5-F94D-4F90-B8E7-367B548187DE}" type="datetimeFigureOut">
               <a:rPr lang="zh-TW" altLang="en-US" smtClean="0"/>
-              <a:t>2023/12/12</a:t>
+              <a:t>2023/12/15</a:t>
             </a:fld>
             <a:endParaRPr lang="zh-TW" altLang="en-US"/>
           </a:p>
@@ -2671,7 +2671,7 @@
           <a:p>
             <a:fld id="{736941B5-F94D-4F90-B8E7-367B548187DE}" type="datetimeFigureOut">
               <a:rPr lang="zh-TW" altLang="en-US" smtClean="0"/>
-              <a:t>2023/12/12</a:t>
+              <a:t>2023/12/15</a:t>
             </a:fld>
             <a:endParaRPr lang="zh-TW" altLang="en-US"/>
           </a:p>
@@ -2912,7 +2912,7 @@
           <a:p>
             <a:fld id="{736941B5-F94D-4F90-B8E7-367B548187DE}" type="datetimeFigureOut">
               <a:rPr lang="zh-TW" altLang="en-US" smtClean="0"/>
-              <a:t>2023/12/12</a:t>
+              <a:t>2023/12/15</a:t>
             </a:fld>
             <a:endParaRPr lang="zh-TW" altLang="en-US"/>
           </a:p>
@@ -5254,6 +5254,67 @@
           </p:txBody>
         </p:sp>
       </p:grpSp>
+      <p:sp>
+        <p:nvSpPr>
+          <p:cNvPr id="11" name="箭號: 向右 10">
+            <a:extLst>
+              <a:ext uri="{FF2B5EF4-FFF2-40B4-BE49-F238E27FC236}">
+                <a16:creationId xmlns:a16="http://schemas.microsoft.com/office/drawing/2014/main" id="{9A74BDDF-B1A8-4A3F-B30A-0AC92A5408BC}"/>
+              </a:ext>
+            </a:extLst>
+          </p:cNvPr>
+          <p:cNvSpPr/>
+          <p:nvPr/>
+        </p:nvSpPr>
+        <p:spPr>
+          <a:xfrm>
+            <a:off x="9227890" y="579541"/>
+            <a:ext cx="1115736" cy="964734"/>
+          </a:xfrm>
+          <a:prstGeom prst="rightArrow">
+            <a:avLst/>
+          </a:prstGeom>
+          <a:solidFill>
+            <a:srgbClr val="E9A9C3"/>
+          </a:solidFill>
+          <a:ln>
+            <a:solidFill>
+              <a:srgbClr val="C00000"/>
+            </a:solidFill>
+          </a:ln>
+        </p:spPr>
+        <p:style>
+          <a:lnRef idx="2">
+            <a:schemeClr val="accent1">
+              <a:shade val="50000"/>
+            </a:schemeClr>
+          </a:lnRef>
+          <a:fillRef idx="1">
+            <a:schemeClr val="accent1"/>
+          </a:fillRef>
+          <a:effectRef idx="0">
+            <a:schemeClr val="accent1"/>
+          </a:effectRef>
+          <a:fontRef idx="minor">
+            <a:schemeClr val="lt1"/>
+          </a:fontRef>
+        </p:style>
+        <p:txBody>
+          <a:bodyPr rtlCol="0" anchor="ctr"/>
+          <a:lstStyle/>
+          <a:p>
+            <a:pPr algn="ctr"/>
+            <a:r>
+              <a:rPr lang="zh-TW" altLang="en-US" b="1" dirty="0">
+                <a:solidFill>
+                  <a:srgbClr val="FF0000"/>
+                </a:solidFill>
+              </a:rPr>
+              <a:t>出牌</a:t>
+            </a:r>
+          </a:p>
+        </p:txBody>
+      </p:sp>
     </p:spTree>
     <p:extLst>
       <p:ext uri="{BB962C8B-B14F-4D97-AF65-F5344CB8AC3E}">

--- a/圖片製作.pptx
+++ b/圖片製作.pptx
@@ -9,6 +9,7 @@
     <p:sldId id="258" r:id="rId3"/>
     <p:sldId id="259" r:id="rId4"/>
     <p:sldId id="260" r:id="rId5"/>
+    <p:sldId id="261" r:id="rId6"/>
   </p:sldIdLst>
   <p:sldSz cx="12192000" cy="6858000"/>
   <p:notesSz cx="6858000" cy="9144000"/>
@@ -262,7 +263,7 @@
           <a:p>
             <a:fld id="{736941B5-F94D-4F90-B8E7-367B548187DE}" type="datetimeFigureOut">
               <a:rPr lang="zh-TW" altLang="en-US" smtClean="0"/>
-              <a:t>2023/12/15</a:t>
+              <a:t>2023/12/20</a:t>
             </a:fld>
             <a:endParaRPr lang="zh-TW" altLang="en-US"/>
           </a:p>
@@ -460,7 +461,7 @@
           <a:p>
             <a:fld id="{736941B5-F94D-4F90-B8E7-367B548187DE}" type="datetimeFigureOut">
               <a:rPr lang="zh-TW" altLang="en-US" smtClean="0"/>
-              <a:t>2023/12/15</a:t>
+              <a:t>2023/12/20</a:t>
             </a:fld>
             <a:endParaRPr lang="zh-TW" altLang="en-US"/>
           </a:p>
@@ -668,7 +669,7 @@
           <a:p>
             <a:fld id="{736941B5-F94D-4F90-B8E7-367B548187DE}" type="datetimeFigureOut">
               <a:rPr lang="zh-TW" altLang="en-US" smtClean="0"/>
-              <a:t>2023/12/15</a:t>
+              <a:t>2023/12/20</a:t>
             </a:fld>
             <a:endParaRPr lang="zh-TW" altLang="en-US"/>
           </a:p>
@@ -866,7 +867,7 @@
           <a:p>
             <a:fld id="{736941B5-F94D-4F90-B8E7-367B548187DE}" type="datetimeFigureOut">
               <a:rPr lang="zh-TW" altLang="en-US" smtClean="0"/>
-              <a:t>2023/12/15</a:t>
+              <a:t>2023/12/20</a:t>
             </a:fld>
             <a:endParaRPr lang="zh-TW" altLang="en-US"/>
           </a:p>
@@ -1141,7 +1142,7 @@
           <a:p>
             <a:fld id="{736941B5-F94D-4F90-B8E7-367B548187DE}" type="datetimeFigureOut">
               <a:rPr lang="zh-TW" altLang="en-US" smtClean="0"/>
-              <a:t>2023/12/15</a:t>
+              <a:t>2023/12/20</a:t>
             </a:fld>
             <a:endParaRPr lang="zh-TW" altLang="en-US"/>
           </a:p>
@@ -1406,7 +1407,7 @@
           <a:p>
             <a:fld id="{736941B5-F94D-4F90-B8E7-367B548187DE}" type="datetimeFigureOut">
               <a:rPr lang="zh-TW" altLang="en-US" smtClean="0"/>
-              <a:t>2023/12/15</a:t>
+              <a:t>2023/12/20</a:t>
             </a:fld>
             <a:endParaRPr lang="zh-TW" altLang="en-US"/>
           </a:p>
@@ -1818,7 +1819,7 @@
           <a:p>
             <a:fld id="{736941B5-F94D-4F90-B8E7-367B548187DE}" type="datetimeFigureOut">
               <a:rPr lang="zh-TW" altLang="en-US" smtClean="0"/>
-              <a:t>2023/12/15</a:t>
+              <a:t>2023/12/20</a:t>
             </a:fld>
             <a:endParaRPr lang="zh-TW" altLang="en-US"/>
           </a:p>
@@ -1959,7 +1960,7 @@
           <a:p>
             <a:fld id="{736941B5-F94D-4F90-B8E7-367B548187DE}" type="datetimeFigureOut">
               <a:rPr lang="zh-TW" altLang="en-US" smtClean="0"/>
-              <a:t>2023/12/15</a:t>
+              <a:t>2023/12/20</a:t>
             </a:fld>
             <a:endParaRPr lang="zh-TW" altLang="en-US"/>
           </a:p>
@@ -2072,7 +2073,7 @@
           <a:p>
             <a:fld id="{736941B5-F94D-4F90-B8E7-367B548187DE}" type="datetimeFigureOut">
               <a:rPr lang="zh-TW" altLang="en-US" smtClean="0"/>
-              <a:t>2023/12/15</a:t>
+              <a:t>2023/12/20</a:t>
             </a:fld>
             <a:endParaRPr lang="zh-TW" altLang="en-US"/>
           </a:p>
@@ -2383,7 +2384,7 @@
           <a:p>
             <a:fld id="{736941B5-F94D-4F90-B8E7-367B548187DE}" type="datetimeFigureOut">
               <a:rPr lang="zh-TW" altLang="en-US" smtClean="0"/>
-              <a:t>2023/12/15</a:t>
+              <a:t>2023/12/20</a:t>
             </a:fld>
             <a:endParaRPr lang="zh-TW" altLang="en-US"/>
           </a:p>
@@ -2671,7 +2672,7 @@
           <a:p>
             <a:fld id="{736941B5-F94D-4F90-B8E7-367B548187DE}" type="datetimeFigureOut">
               <a:rPr lang="zh-TW" altLang="en-US" smtClean="0"/>
-              <a:t>2023/12/15</a:t>
+              <a:t>2023/12/20</a:t>
             </a:fld>
             <a:endParaRPr lang="zh-TW" altLang="en-US"/>
           </a:p>
@@ -2912,7 +2913,7 @@
           <a:p>
             <a:fld id="{736941B5-F94D-4F90-B8E7-367B548187DE}" type="datetimeFigureOut">
               <a:rPr lang="zh-TW" altLang="en-US" smtClean="0"/>
-              <a:t>2023/12/15</a:t>
+              <a:t>2023/12/20</a:t>
             </a:fld>
             <a:endParaRPr lang="zh-TW" altLang="en-US"/>
           </a:p>
@@ -7464,6 +7465,266 @@
 </p:sld>
 </file>
 
+<file path=ppt/slides/slide5.xml><?xml version="1.0" encoding="utf-8"?>
+<p:sld xmlns:a="http://schemas.openxmlformats.org/drawingml/2006/main" xmlns:r="http://schemas.openxmlformats.org/officeDocument/2006/relationships" xmlns:p="http://schemas.openxmlformats.org/presentationml/2006/main">
+  <p:cSld>
+    <p:spTree>
+      <p:nvGrpSpPr>
+        <p:cNvPr id="1" name=""/>
+        <p:cNvGrpSpPr/>
+        <p:nvPr/>
+      </p:nvGrpSpPr>
+      <p:grpSpPr>
+        <a:xfrm>
+          <a:off x="0" y="0"/>
+          <a:ext cx="0" cy="0"/>
+          <a:chOff x="0" y="0"/>
+          <a:chExt cx="0" cy="0"/>
+        </a:xfrm>
+      </p:grpSpPr>
+      <p:sp>
+        <p:nvSpPr>
+          <p:cNvPr id="2" name="橢圓 1">
+            <a:extLst>
+              <a:ext uri="{FF2B5EF4-FFF2-40B4-BE49-F238E27FC236}">
+                <a16:creationId xmlns:a16="http://schemas.microsoft.com/office/drawing/2014/main" id="{28E0E51E-BF47-408F-937E-4CADEEC3E5BE}"/>
+              </a:ext>
+            </a:extLst>
+          </p:cNvPr>
+          <p:cNvSpPr/>
+          <p:nvPr/>
+        </p:nvSpPr>
+        <p:spPr>
+          <a:xfrm>
+            <a:off x="1627464" y="553673"/>
+            <a:ext cx="1644242" cy="1644242"/>
+          </a:xfrm>
+          <a:prstGeom prst="ellipse">
+            <a:avLst/>
+          </a:prstGeom>
+        </p:spPr>
+        <p:style>
+          <a:lnRef idx="2">
+            <a:schemeClr val="accent4">
+              <a:shade val="50000"/>
+            </a:schemeClr>
+          </a:lnRef>
+          <a:fillRef idx="1">
+            <a:schemeClr val="accent4"/>
+          </a:fillRef>
+          <a:effectRef idx="0">
+            <a:schemeClr val="accent4"/>
+          </a:effectRef>
+          <a:fontRef idx="minor">
+            <a:schemeClr val="lt1"/>
+          </a:fontRef>
+        </p:style>
+        <p:txBody>
+          <a:bodyPr rtlCol="0" anchor="ctr"/>
+          <a:lstStyle/>
+          <a:p>
+            <a:pPr algn="ctr"/>
+            <a:r>
+              <a:rPr lang="zh-TW" altLang="en-US" sz="3200" b="1" dirty="0">
+                <a:solidFill>
+                  <a:schemeClr val="tx1"/>
+                </a:solidFill>
+              </a:rPr>
+              <a:t>比較</a:t>
+            </a:r>
+            <a:endParaRPr lang="en-US" altLang="zh-TW" sz="3200" b="1" dirty="0">
+              <a:solidFill>
+                <a:schemeClr val="tx1"/>
+              </a:solidFill>
+            </a:endParaRPr>
+          </a:p>
+          <a:p>
+            <a:pPr algn="ctr"/>
+            <a:r>
+              <a:rPr lang="zh-TW" altLang="en-US" sz="3200" b="1" dirty="0">
+                <a:solidFill>
+                  <a:schemeClr val="tx1"/>
+                </a:solidFill>
+              </a:rPr>
+              <a:t>頭墩</a:t>
+            </a:r>
+            <a:endParaRPr lang="zh-TW" altLang="en-US" b="1" dirty="0">
+              <a:solidFill>
+                <a:schemeClr val="tx1"/>
+              </a:solidFill>
+            </a:endParaRPr>
+          </a:p>
+        </p:txBody>
+      </p:sp>
+      <p:sp>
+        <p:nvSpPr>
+          <p:cNvPr id="3" name="橢圓 2">
+            <a:extLst>
+              <a:ext uri="{FF2B5EF4-FFF2-40B4-BE49-F238E27FC236}">
+                <a16:creationId xmlns:a16="http://schemas.microsoft.com/office/drawing/2014/main" id="{A87741E3-B1FD-48A5-94EF-A1BF574866FA}"/>
+              </a:ext>
+            </a:extLst>
+          </p:cNvPr>
+          <p:cNvSpPr/>
+          <p:nvPr/>
+        </p:nvSpPr>
+        <p:spPr>
+          <a:xfrm>
+            <a:off x="4296561" y="553673"/>
+            <a:ext cx="1644242" cy="1644242"/>
+          </a:xfrm>
+          <a:prstGeom prst="ellipse">
+            <a:avLst/>
+          </a:prstGeom>
+        </p:spPr>
+        <p:style>
+          <a:lnRef idx="2">
+            <a:schemeClr val="accent4">
+              <a:shade val="50000"/>
+            </a:schemeClr>
+          </a:lnRef>
+          <a:fillRef idx="1">
+            <a:schemeClr val="accent4"/>
+          </a:fillRef>
+          <a:effectRef idx="0">
+            <a:schemeClr val="accent4"/>
+          </a:effectRef>
+          <a:fontRef idx="minor">
+            <a:schemeClr val="lt1"/>
+          </a:fontRef>
+        </p:style>
+        <p:txBody>
+          <a:bodyPr rtlCol="0" anchor="ctr"/>
+          <a:lstStyle/>
+          <a:p>
+            <a:pPr algn="ctr"/>
+            <a:r>
+              <a:rPr lang="zh-TW" altLang="en-US" sz="3200" b="1" dirty="0">
+                <a:solidFill>
+                  <a:schemeClr val="tx1"/>
+                </a:solidFill>
+              </a:rPr>
+              <a:t>比較</a:t>
+            </a:r>
+            <a:endParaRPr lang="en-US" altLang="zh-TW" sz="3200" b="1" dirty="0">
+              <a:solidFill>
+                <a:schemeClr val="tx1"/>
+              </a:solidFill>
+            </a:endParaRPr>
+          </a:p>
+          <a:p>
+            <a:pPr algn="ctr"/>
+            <a:r>
+              <a:rPr lang="zh-TW" altLang="en-US" sz="3200" b="1" dirty="0">
+                <a:solidFill>
+                  <a:schemeClr val="tx1"/>
+                </a:solidFill>
+              </a:rPr>
+              <a:t>二道</a:t>
+            </a:r>
+            <a:endParaRPr lang="zh-TW" altLang="en-US" b="1" dirty="0">
+              <a:solidFill>
+                <a:schemeClr val="tx1"/>
+              </a:solidFill>
+            </a:endParaRPr>
+          </a:p>
+        </p:txBody>
+      </p:sp>
+      <p:sp>
+        <p:nvSpPr>
+          <p:cNvPr id="4" name="橢圓 3">
+            <a:extLst>
+              <a:ext uri="{FF2B5EF4-FFF2-40B4-BE49-F238E27FC236}">
+                <a16:creationId xmlns:a16="http://schemas.microsoft.com/office/drawing/2014/main" id="{698B3795-5331-4B51-AF2A-293297D0DCAF}"/>
+              </a:ext>
+            </a:extLst>
+          </p:cNvPr>
+          <p:cNvSpPr/>
+          <p:nvPr/>
+        </p:nvSpPr>
+        <p:spPr>
+          <a:xfrm>
+            <a:off x="6897149" y="553673"/>
+            <a:ext cx="1644242" cy="1644242"/>
+          </a:xfrm>
+          <a:prstGeom prst="ellipse">
+            <a:avLst/>
+          </a:prstGeom>
+        </p:spPr>
+        <p:style>
+          <a:lnRef idx="2">
+            <a:schemeClr val="accent4">
+              <a:shade val="50000"/>
+            </a:schemeClr>
+          </a:lnRef>
+          <a:fillRef idx="1">
+            <a:schemeClr val="accent4"/>
+          </a:fillRef>
+          <a:effectRef idx="0">
+            <a:schemeClr val="accent4"/>
+          </a:effectRef>
+          <a:fontRef idx="minor">
+            <a:schemeClr val="lt1"/>
+          </a:fontRef>
+        </p:style>
+        <p:txBody>
+          <a:bodyPr rtlCol="0" anchor="ctr"/>
+          <a:lstStyle/>
+          <a:p>
+            <a:pPr algn="ctr"/>
+            <a:r>
+              <a:rPr lang="zh-TW" altLang="en-US" sz="3200" b="1" dirty="0">
+                <a:solidFill>
+                  <a:schemeClr val="tx1"/>
+                </a:solidFill>
+              </a:rPr>
+              <a:t>比較</a:t>
+            </a:r>
+            <a:endParaRPr lang="en-US" altLang="zh-TW" sz="3200" b="1" dirty="0">
+              <a:solidFill>
+                <a:schemeClr val="tx1"/>
+              </a:solidFill>
+            </a:endParaRPr>
+          </a:p>
+          <a:p>
+            <a:pPr algn="ctr"/>
+            <a:r>
+              <a:rPr lang="zh-TW" altLang="en-US" sz="3200" b="1" dirty="0">
+                <a:solidFill>
+                  <a:schemeClr val="tx1"/>
+                </a:solidFill>
+              </a:rPr>
+              <a:t>尾</a:t>
+            </a:r>
+            <a:r>
+              <a:rPr lang="zh-TW" altLang="en-US" sz="3200" b="1">
+                <a:solidFill>
+                  <a:schemeClr val="tx1"/>
+                </a:solidFill>
+              </a:rPr>
+              <a:t>墩</a:t>
+            </a:r>
+            <a:endParaRPr lang="zh-TW" altLang="en-US" b="1" dirty="0">
+              <a:solidFill>
+                <a:schemeClr val="tx1"/>
+              </a:solidFill>
+            </a:endParaRPr>
+          </a:p>
+        </p:txBody>
+      </p:sp>
+    </p:spTree>
+    <p:extLst>
+      <p:ext uri="{BB962C8B-B14F-4D97-AF65-F5344CB8AC3E}">
+        <p14:creationId xmlns:p14="http://schemas.microsoft.com/office/powerpoint/2010/main" val="3536058019"/>
+      </p:ext>
+    </p:extLst>
+  </p:cSld>
+  <p:clrMapOvr>
+    <a:masterClrMapping/>
+  </p:clrMapOvr>
+</p:sld>
+</file>
+
 <file path=ppt/theme/theme1.xml><?xml version="1.0" encoding="utf-8"?>
 <a:theme xmlns:a="http://schemas.openxmlformats.org/drawingml/2006/main" name="Office 佈景主題">
   <a:themeElements>

--- a/圖片製作.pptx
+++ b/圖片製作.pptx
@@ -263,7 +263,7 @@
           <a:p>
             <a:fld id="{736941B5-F94D-4F90-B8E7-367B548187DE}" type="datetimeFigureOut">
               <a:rPr lang="zh-TW" altLang="en-US" smtClean="0"/>
-              <a:t>2023/12/20</a:t>
+              <a:t>2023/12/23</a:t>
             </a:fld>
             <a:endParaRPr lang="zh-TW" altLang="en-US"/>
           </a:p>
@@ -461,7 +461,7 @@
           <a:p>
             <a:fld id="{736941B5-F94D-4F90-B8E7-367B548187DE}" type="datetimeFigureOut">
               <a:rPr lang="zh-TW" altLang="en-US" smtClean="0"/>
-              <a:t>2023/12/20</a:t>
+              <a:t>2023/12/23</a:t>
             </a:fld>
             <a:endParaRPr lang="zh-TW" altLang="en-US"/>
           </a:p>
@@ -669,7 +669,7 @@
           <a:p>
             <a:fld id="{736941B5-F94D-4F90-B8E7-367B548187DE}" type="datetimeFigureOut">
               <a:rPr lang="zh-TW" altLang="en-US" smtClean="0"/>
-              <a:t>2023/12/20</a:t>
+              <a:t>2023/12/23</a:t>
             </a:fld>
             <a:endParaRPr lang="zh-TW" altLang="en-US"/>
           </a:p>
@@ -867,7 +867,7 @@
           <a:p>
             <a:fld id="{736941B5-F94D-4F90-B8E7-367B548187DE}" type="datetimeFigureOut">
               <a:rPr lang="zh-TW" altLang="en-US" smtClean="0"/>
-              <a:t>2023/12/20</a:t>
+              <a:t>2023/12/23</a:t>
             </a:fld>
             <a:endParaRPr lang="zh-TW" altLang="en-US"/>
           </a:p>
@@ -1142,7 +1142,7 @@
           <a:p>
             <a:fld id="{736941B5-F94D-4F90-B8E7-367B548187DE}" type="datetimeFigureOut">
               <a:rPr lang="zh-TW" altLang="en-US" smtClean="0"/>
-              <a:t>2023/12/20</a:t>
+              <a:t>2023/12/23</a:t>
             </a:fld>
             <a:endParaRPr lang="zh-TW" altLang="en-US"/>
           </a:p>
@@ -1407,7 +1407,7 @@
           <a:p>
             <a:fld id="{736941B5-F94D-4F90-B8E7-367B548187DE}" type="datetimeFigureOut">
               <a:rPr lang="zh-TW" altLang="en-US" smtClean="0"/>
-              <a:t>2023/12/20</a:t>
+              <a:t>2023/12/23</a:t>
             </a:fld>
             <a:endParaRPr lang="zh-TW" altLang="en-US"/>
           </a:p>
@@ -1819,7 +1819,7 @@
           <a:p>
             <a:fld id="{736941B5-F94D-4F90-B8E7-367B548187DE}" type="datetimeFigureOut">
               <a:rPr lang="zh-TW" altLang="en-US" smtClean="0"/>
-              <a:t>2023/12/20</a:t>
+              <a:t>2023/12/23</a:t>
             </a:fld>
             <a:endParaRPr lang="zh-TW" altLang="en-US"/>
           </a:p>
@@ -1960,7 +1960,7 @@
           <a:p>
             <a:fld id="{736941B5-F94D-4F90-B8E7-367B548187DE}" type="datetimeFigureOut">
               <a:rPr lang="zh-TW" altLang="en-US" smtClean="0"/>
-              <a:t>2023/12/20</a:t>
+              <a:t>2023/12/23</a:t>
             </a:fld>
             <a:endParaRPr lang="zh-TW" altLang="en-US"/>
           </a:p>
@@ -2073,7 +2073,7 @@
           <a:p>
             <a:fld id="{736941B5-F94D-4F90-B8E7-367B548187DE}" type="datetimeFigureOut">
               <a:rPr lang="zh-TW" altLang="en-US" smtClean="0"/>
-              <a:t>2023/12/20</a:t>
+              <a:t>2023/12/23</a:t>
             </a:fld>
             <a:endParaRPr lang="zh-TW" altLang="en-US"/>
           </a:p>
@@ -2384,7 +2384,7 @@
           <a:p>
             <a:fld id="{736941B5-F94D-4F90-B8E7-367B548187DE}" type="datetimeFigureOut">
               <a:rPr lang="zh-TW" altLang="en-US" smtClean="0"/>
-              <a:t>2023/12/20</a:t>
+              <a:t>2023/12/23</a:t>
             </a:fld>
             <a:endParaRPr lang="zh-TW" altLang="en-US"/>
           </a:p>
@@ -2672,7 +2672,7 @@
           <a:p>
             <a:fld id="{736941B5-F94D-4F90-B8E7-367B548187DE}" type="datetimeFigureOut">
               <a:rPr lang="zh-TW" altLang="en-US" smtClean="0"/>
-              <a:t>2023/12/20</a:t>
+              <a:t>2023/12/23</a:t>
             </a:fld>
             <a:endParaRPr lang="zh-TW" altLang="en-US"/>
           </a:p>
@@ -2913,7 +2913,7 @@
           <a:p>
             <a:fld id="{736941B5-F94D-4F90-B8E7-367B548187DE}" type="datetimeFigureOut">
               <a:rPr lang="zh-TW" altLang="en-US" smtClean="0"/>
-              <a:t>2023/12/20</a:t>
+              <a:t>2023/12/23</a:t>
             </a:fld>
             <a:endParaRPr lang="zh-TW" altLang="en-US"/>
           </a:p>
@@ -3440,7 +3440,7 @@
                   <a:schemeClr val="tx1"/>
                 </a:solidFill>
               </a:rPr>
-              <a:t>遊戲中會以金色來表示</a:t>
+              <a:t>遊戲中會在左上角顯示</a:t>
             </a:r>
             <a:r>
               <a:rPr lang="en-US" altLang="zh-TW" b="1" dirty="0">
@@ -3504,7 +3504,7 @@
                   <a:schemeClr val="tx1"/>
                 </a:solidFill>
               </a:rPr>
-              <a:t>，玩家從中組出一套牌組後，比較牌組大小，以決定勝負。</a:t>
+              <a:t>，玩家從中組出一套牌組後，比較三牌墩大小，以決定勝負。</a:t>
             </a:r>
             <a:endParaRPr lang="en-US" altLang="zh-TW" b="1" dirty="0">
               <a:solidFill>
@@ -3565,8 +3565,10 @@
                 <a:solidFill>
                   <a:schemeClr val="tx1"/>
                 </a:solidFill>
-              </a:rPr>
-              <a:t>&lt;</a:t>
+                <a:latin typeface="新細明體" panose="02020500000000000000" pitchFamily="18" charset="-120"/>
+                <a:ea typeface="新細明體" panose="02020500000000000000" pitchFamily="18" charset="-120"/>
+              </a:rPr>
+              <a:t>≦</a:t>
             </a:r>
             <a:r>
               <a:rPr lang="zh-TW" altLang="en-US" b="1" dirty="0">
@@ -3597,8 +3599,10 @@
                 <a:solidFill>
                   <a:schemeClr val="tx1"/>
                 </a:solidFill>
-              </a:rPr>
-              <a:t>&lt;</a:t>
+                <a:latin typeface="新細明體" panose="02020500000000000000" pitchFamily="18" charset="-120"/>
+                <a:ea typeface="新細明體" panose="02020500000000000000" pitchFamily="18" charset="-120"/>
+              </a:rPr>
+              <a:t>≦</a:t>
             </a:r>
             <a:r>
               <a:rPr lang="zh-TW" altLang="en-US" b="1" dirty="0">
@@ -3638,7 +3642,7 @@
                   <a:schemeClr val="tx1"/>
                 </a:solidFill>
               </a:rPr>
-              <a:t>否則直接認賠打槍</a:t>
+              <a:t>只在乎牌型，不符合規定直接陪其他人五墩</a:t>
             </a:r>
             <a:r>
               <a:rPr lang="en-US" altLang="zh-TW" b="1" dirty="0">
@@ -3646,7 +3650,39 @@
                   <a:schemeClr val="tx1"/>
                 </a:solidFill>
               </a:rPr>
-              <a:t>)</a:t>
+              <a:t>(</a:t>
+            </a:r>
+            <a:r>
+              <a:rPr lang="zh-TW" altLang="en-US" b="1" dirty="0">
+                <a:solidFill>
+                  <a:schemeClr val="tx1"/>
+                </a:solidFill>
+              </a:rPr>
+              <a:t>即自身扣</a:t>
+            </a:r>
+            <a:r>
+              <a:rPr lang="en-US" altLang="zh-TW" b="1" dirty="0">
+                <a:solidFill>
+                  <a:schemeClr val="tx1"/>
+                </a:solidFill>
+              </a:rPr>
+              <a:t>15</a:t>
+            </a:r>
+            <a:r>
+              <a:rPr lang="zh-TW" altLang="en-US" b="1" dirty="0">
+                <a:solidFill>
+                  <a:schemeClr val="tx1"/>
+                </a:solidFill>
+              </a:rPr>
+              <a:t>墩</a:t>
+            </a:r>
+            <a:r>
+              <a:rPr lang="en-US" altLang="zh-TW" b="1" dirty="0">
+                <a:solidFill>
+                  <a:schemeClr val="tx1"/>
+                </a:solidFill>
+              </a:rPr>
+              <a:t>))</a:t>
             </a:r>
           </a:p>
           <a:p>
@@ -3911,7 +3947,7 @@
                   <a:schemeClr val="tx1"/>
                 </a:solidFill>
               </a:rPr>
-              <a:t>採打槍規則，如果打槍其他玩家可得一墩</a:t>
+              <a:t>採打槍</a:t>
             </a:r>
             <a:r>
               <a:rPr lang="en-US" altLang="zh-TW" b="1" dirty="0">
@@ -3919,6 +3955,38 @@
                   <a:schemeClr val="tx1"/>
                 </a:solidFill>
               </a:rPr>
+              <a:t>(</a:t>
+            </a:r>
+            <a:r>
+              <a:rPr lang="zh-TW" altLang="en-US" b="1" dirty="0">
+                <a:solidFill>
+                  <a:schemeClr val="tx1"/>
+                </a:solidFill>
+              </a:rPr>
+              <a:t>三墩牌型皆比較大</a:t>
+            </a:r>
+            <a:r>
+              <a:rPr lang="en-US" altLang="zh-TW" b="1" dirty="0">
+                <a:solidFill>
+                  <a:schemeClr val="tx1"/>
+                </a:solidFill>
+              </a:rPr>
+              <a:t>)</a:t>
+            </a:r>
+            <a:r>
+              <a:rPr lang="zh-TW" altLang="en-US" b="1" dirty="0">
+                <a:solidFill>
+                  <a:schemeClr val="tx1"/>
+                </a:solidFill>
+              </a:rPr>
+              <a:t>規則，如打槍其他玩家可得一墩</a:t>
+            </a:r>
+            <a:r>
+              <a:rPr lang="en-US" altLang="zh-TW" b="1" dirty="0">
+                <a:solidFill>
+                  <a:schemeClr val="tx1"/>
+                </a:solidFill>
+              </a:rPr>
               <a:t>(+1)</a:t>
             </a:r>
             <a:r>
@@ -3927,7 +3995,7 @@
                   <a:schemeClr val="tx1"/>
                 </a:solidFill>
               </a:rPr>
-              <a:t>，否則則陪一墩</a:t>
+              <a:t>，否則陪一墩</a:t>
             </a:r>
             <a:r>
               <a:rPr lang="en-US" altLang="zh-TW" b="1" dirty="0">
@@ -3943,7 +4011,7 @@
                   <a:schemeClr val="tx1"/>
                 </a:solidFill>
               </a:rPr>
-              <a:t>，如果成功全壘打，可額外再得兩墩</a:t>
+              <a:t>，如果成功全壘打</a:t>
             </a:r>
             <a:r>
               <a:rPr lang="en-US" altLang="zh-TW" b="1" dirty="0">
@@ -3951,8 +4019,45 @@
                   <a:schemeClr val="tx1"/>
                 </a:solidFill>
               </a:rPr>
-              <a:t>(+2)</a:t>
-            </a:r>
+              <a:t>(</a:t>
+            </a:r>
+            <a:r>
+              <a:rPr lang="zh-TW" altLang="en-US" b="1" dirty="0">
+                <a:solidFill>
+                  <a:schemeClr val="tx1"/>
+                </a:solidFill>
+              </a:rPr>
+              <a:t>打槍三家</a:t>
+            </a:r>
+            <a:r>
+              <a:rPr lang="en-US" altLang="zh-TW" b="1" dirty="0">
+                <a:solidFill>
+                  <a:schemeClr val="tx1"/>
+                </a:solidFill>
+              </a:rPr>
+              <a:t>)</a:t>
+            </a:r>
+            <a:r>
+              <a:rPr lang="zh-TW" altLang="en-US" b="1" dirty="0">
+                <a:solidFill>
+                  <a:schemeClr val="tx1"/>
+                </a:solidFill>
+              </a:rPr>
+              <a:t>，可額外再得一墩</a:t>
+            </a:r>
+            <a:r>
+              <a:rPr lang="en-US" altLang="zh-TW" b="1">
+                <a:solidFill>
+                  <a:schemeClr val="tx1"/>
+                </a:solidFill>
+              </a:rPr>
+              <a:t>(+1)</a:t>
+            </a:r>
+            <a:endParaRPr lang="en-US" altLang="zh-TW" b="1" dirty="0">
+              <a:solidFill>
+                <a:schemeClr val="tx1"/>
+              </a:solidFill>
+            </a:endParaRPr>
           </a:p>
         </p:txBody>
       </p:sp>
@@ -4609,7 +4714,7 @@
         </p:nvGrpSpPr>
         <p:grpSpPr>
           <a:xfrm>
-            <a:off x="4091031" y="3338122"/>
+            <a:off x="8997193" y="3429000"/>
             <a:ext cx="3045204" cy="3126291"/>
             <a:chOff x="4091031" y="3338122"/>
             <a:chExt cx="3045204" cy="3126291"/>
@@ -5424,55 +5529,7 @@
                   <a:schemeClr val="tx1"/>
                 </a:solidFill>
               </a:rPr>
-              <a:t>進入組牌階段，玩家可以點選牌型按鈕快速理牌，並將牌組放入畫面中的放牌區。準備好牌組後，可以點選準備按鈕等待牌局開始</a:t>
-            </a:r>
-            <a:r>
-              <a:rPr lang="en-US" altLang="zh-TW" b="1" dirty="0">
-                <a:solidFill>
-                  <a:schemeClr val="tx1"/>
-                </a:solidFill>
-              </a:rPr>
-              <a:t>(</a:t>
-            </a:r>
-            <a:r>
-              <a:rPr lang="zh-TW" altLang="en-US" b="1" dirty="0">
-                <a:solidFill>
-                  <a:schemeClr val="tx1"/>
-                </a:solidFill>
-              </a:rPr>
-              <a:t>如果超時</a:t>
-            </a:r>
-            <a:r>
-              <a:rPr lang="en-US" altLang="zh-TW" b="1" dirty="0">
-                <a:solidFill>
-                  <a:schemeClr val="tx1"/>
-                </a:solidFill>
-              </a:rPr>
-              <a:t>1</a:t>
-            </a:r>
-            <a:r>
-              <a:rPr lang="zh-TW" altLang="en-US" b="1" dirty="0">
-                <a:solidFill>
-                  <a:schemeClr val="tx1"/>
-                </a:solidFill>
-              </a:rPr>
-              <a:t>分鐘，系統將自動幫你出牌</a:t>
-            </a:r>
-            <a:r>
-              <a:rPr lang="en-US" altLang="zh-TW" b="1" dirty="0">
-                <a:solidFill>
-                  <a:schemeClr val="tx1"/>
-                </a:solidFill>
-              </a:rPr>
-              <a:t>)</a:t>
-            </a:r>
-            <a:r>
-              <a:rPr lang="zh-TW" altLang="en-US" b="1" dirty="0">
-                <a:solidFill>
-                  <a:schemeClr val="tx1"/>
-                </a:solidFill>
-              </a:rPr>
-              <a:t>，並依照結果得失分數。</a:t>
+              <a:t>進入組牌階段，玩家可以點選排序按鈕快速理牌，並點牌墩按鈕將牌組放入畫面中的放牌區。準備好牌組後，可以點選出牌按鈕等待牌局開始，並依照每墩的牌型大小，決定最終獲得的墩數。</a:t>
             </a:r>
             <a:endParaRPr lang="en-US" altLang="zh-TW" b="1" dirty="0">
               <a:solidFill>
@@ -5494,13 +5551,32 @@
                   <a:schemeClr val="tx1"/>
                 </a:solidFill>
               </a:rPr>
-              <a:t>以下特殊牌型會有額外的加分</a:t>
-            </a:r>
-            <a:endParaRPr lang="en-US" altLang="zh-TW" b="1" dirty="0">
-              <a:solidFill>
-                <a:schemeClr val="tx1"/>
-              </a:solidFill>
-            </a:endParaRPr>
+              <a:t>以下特殊牌型會有額外的加分 </a:t>
+            </a:r>
+            <a:r>
+              <a:rPr lang="en-US" altLang="zh-TW" b="1" dirty="0">
+                <a:solidFill>
+                  <a:schemeClr val="tx1"/>
+                </a:solidFill>
+              </a:rPr>
+              <a:t>(</a:t>
+            </a:r>
+            <a:r>
+              <a:rPr lang="zh-TW" altLang="en-US" b="1" dirty="0">
+                <a:solidFill>
+                  <a:schemeClr val="tx1"/>
+                </a:solidFill>
+              </a:rPr>
+              <a:t>其他人額外給你的墩數</a:t>
+            </a:r>
+            <a:r>
+              <a:rPr lang="en-US" altLang="zh-TW" b="1" dirty="0">
+                <a:solidFill>
+                  <a:schemeClr val="tx1"/>
+                </a:solidFill>
+              </a:rPr>
+              <a:t>)</a:t>
+            </a:r>
           </a:p>
           <a:p>
             <a:endParaRPr lang="en-US" altLang="zh-TW" b="1" dirty="0">

--- a/圖片製作.pptx
+++ b/圖片製作.pptx
@@ -263,7 +263,7 @@
           <a:p>
             <a:fld id="{736941B5-F94D-4F90-B8E7-367B548187DE}" type="datetimeFigureOut">
               <a:rPr lang="zh-TW" altLang="en-US" smtClean="0"/>
-              <a:t>2023/12/23</a:t>
+              <a:t>2023/12/24</a:t>
             </a:fld>
             <a:endParaRPr lang="zh-TW" altLang="en-US"/>
           </a:p>
@@ -461,7 +461,7 @@
           <a:p>
             <a:fld id="{736941B5-F94D-4F90-B8E7-367B548187DE}" type="datetimeFigureOut">
               <a:rPr lang="zh-TW" altLang="en-US" smtClean="0"/>
-              <a:t>2023/12/23</a:t>
+              <a:t>2023/12/24</a:t>
             </a:fld>
             <a:endParaRPr lang="zh-TW" altLang="en-US"/>
           </a:p>
@@ -669,7 +669,7 @@
           <a:p>
             <a:fld id="{736941B5-F94D-4F90-B8E7-367B548187DE}" type="datetimeFigureOut">
               <a:rPr lang="zh-TW" altLang="en-US" smtClean="0"/>
-              <a:t>2023/12/23</a:t>
+              <a:t>2023/12/24</a:t>
             </a:fld>
             <a:endParaRPr lang="zh-TW" altLang="en-US"/>
           </a:p>
@@ -867,7 +867,7 @@
           <a:p>
             <a:fld id="{736941B5-F94D-4F90-B8E7-367B548187DE}" type="datetimeFigureOut">
               <a:rPr lang="zh-TW" altLang="en-US" smtClean="0"/>
-              <a:t>2023/12/23</a:t>
+              <a:t>2023/12/24</a:t>
             </a:fld>
             <a:endParaRPr lang="zh-TW" altLang="en-US"/>
           </a:p>
@@ -1142,7 +1142,7 @@
           <a:p>
             <a:fld id="{736941B5-F94D-4F90-B8E7-367B548187DE}" type="datetimeFigureOut">
               <a:rPr lang="zh-TW" altLang="en-US" smtClean="0"/>
-              <a:t>2023/12/23</a:t>
+              <a:t>2023/12/24</a:t>
             </a:fld>
             <a:endParaRPr lang="zh-TW" altLang="en-US"/>
           </a:p>
@@ -1407,7 +1407,7 @@
           <a:p>
             <a:fld id="{736941B5-F94D-4F90-B8E7-367B548187DE}" type="datetimeFigureOut">
               <a:rPr lang="zh-TW" altLang="en-US" smtClean="0"/>
-              <a:t>2023/12/23</a:t>
+              <a:t>2023/12/24</a:t>
             </a:fld>
             <a:endParaRPr lang="zh-TW" altLang="en-US"/>
           </a:p>
@@ -1819,7 +1819,7 @@
           <a:p>
             <a:fld id="{736941B5-F94D-4F90-B8E7-367B548187DE}" type="datetimeFigureOut">
               <a:rPr lang="zh-TW" altLang="en-US" smtClean="0"/>
-              <a:t>2023/12/23</a:t>
+              <a:t>2023/12/24</a:t>
             </a:fld>
             <a:endParaRPr lang="zh-TW" altLang="en-US"/>
           </a:p>
@@ -1960,7 +1960,7 @@
           <a:p>
             <a:fld id="{736941B5-F94D-4F90-B8E7-367B548187DE}" type="datetimeFigureOut">
               <a:rPr lang="zh-TW" altLang="en-US" smtClean="0"/>
-              <a:t>2023/12/23</a:t>
+              <a:t>2023/12/24</a:t>
             </a:fld>
             <a:endParaRPr lang="zh-TW" altLang="en-US"/>
           </a:p>
@@ -2073,7 +2073,7 @@
           <a:p>
             <a:fld id="{736941B5-F94D-4F90-B8E7-367B548187DE}" type="datetimeFigureOut">
               <a:rPr lang="zh-TW" altLang="en-US" smtClean="0"/>
-              <a:t>2023/12/23</a:t>
+              <a:t>2023/12/24</a:t>
             </a:fld>
             <a:endParaRPr lang="zh-TW" altLang="en-US"/>
           </a:p>
@@ -2384,7 +2384,7 @@
           <a:p>
             <a:fld id="{736941B5-F94D-4F90-B8E7-367B548187DE}" type="datetimeFigureOut">
               <a:rPr lang="zh-TW" altLang="en-US" smtClean="0"/>
-              <a:t>2023/12/23</a:t>
+              <a:t>2023/12/24</a:t>
             </a:fld>
             <a:endParaRPr lang="zh-TW" altLang="en-US"/>
           </a:p>
@@ -2672,7 +2672,7 @@
           <a:p>
             <a:fld id="{736941B5-F94D-4F90-B8E7-367B548187DE}" type="datetimeFigureOut">
               <a:rPr lang="zh-TW" altLang="en-US" smtClean="0"/>
-              <a:t>2023/12/23</a:t>
+              <a:t>2023/12/24</a:t>
             </a:fld>
             <a:endParaRPr lang="zh-TW" altLang="en-US"/>
           </a:p>
@@ -2913,7 +2913,7 @@
           <a:p>
             <a:fld id="{736941B5-F94D-4F90-B8E7-367B548187DE}" type="datetimeFigureOut">
               <a:rPr lang="zh-TW" altLang="en-US" smtClean="0"/>
-              <a:t>2023/12/23</a:t>
+              <a:t>2023/12/24</a:t>
             </a:fld>
             <a:endParaRPr lang="zh-TW" altLang="en-US"/>
           </a:p>
@@ -3813,7 +3813,7 @@
                   <a:schemeClr val="tx1"/>
                 </a:solidFill>
               </a:rPr>
-              <a:t>對子同花 </a:t>
+              <a:t>同花 </a:t>
             </a:r>
             <a:r>
               <a:rPr lang="en-US" altLang="zh-TW" b="1" dirty="0">
@@ -3829,7 +3829,7 @@
                   <a:schemeClr val="tx1"/>
                 </a:solidFill>
               </a:rPr>
-              <a:t> 同花 </a:t>
+              <a:t> 順子 </a:t>
             </a:r>
             <a:r>
               <a:rPr lang="en-US" altLang="zh-TW" b="1" dirty="0">
@@ -3845,7 +3845,7 @@
                   <a:schemeClr val="tx1"/>
                 </a:solidFill>
               </a:rPr>
-              <a:t> 順子 </a:t>
+              <a:t> 彩金三條 </a:t>
             </a:r>
             <a:r>
               <a:rPr lang="en-US" altLang="zh-TW" b="1" dirty="0">
@@ -3861,7 +3861,7 @@
                   <a:schemeClr val="tx1"/>
                 </a:solidFill>
               </a:rPr>
-              <a:t> 彩金三條 </a:t>
+              <a:t> 三條 </a:t>
             </a:r>
             <a:r>
               <a:rPr lang="en-US" altLang="zh-TW" b="1" dirty="0">
@@ -3877,7 +3877,7 @@
                   <a:schemeClr val="tx1"/>
                 </a:solidFill>
               </a:rPr>
-              <a:t> 三條 </a:t>
+              <a:t> 兩對 </a:t>
             </a:r>
             <a:r>
               <a:rPr lang="en-US" altLang="zh-TW" b="1" dirty="0">
@@ -3893,7 +3893,7 @@
                   <a:schemeClr val="tx1"/>
                 </a:solidFill>
               </a:rPr>
-              <a:t> 兩對 </a:t>
+              <a:t> 一對 </a:t>
             </a:r>
             <a:r>
               <a:rPr lang="en-US" altLang="zh-TW" b="1" dirty="0">
@@ -3909,23 +3909,7 @@
                   <a:schemeClr val="tx1"/>
                 </a:solidFill>
               </a:rPr>
-              <a:t> 一對 </a:t>
-            </a:r>
-            <a:r>
-              <a:rPr lang="en-US" altLang="zh-TW" b="1" dirty="0">
-                <a:solidFill>
-                  <a:schemeClr val="tx1"/>
-                </a:solidFill>
-              </a:rPr>
-              <a:t>&gt;</a:t>
-            </a:r>
-            <a:r>
-              <a:rPr lang="zh-TW" altLang="en-US" b="1" dirty="0">
-                <a:solidFill>
-                  <a:schemeClr val="tx1"/>
-                </a:solidFill>
-              </a:rPr>
-              <a:t> 烏龍</a:t>
+              <a:t> 烏龍  </a:t>
             </a:r>
             <a:endParaRPr lang="en-US" altLang="zh-TW" b="1" dirty="0">
               <a:solidFill>
@@ -3934,6 +3918,32 @@
             </a:endParaRPr>
           </a:p>
           <a:p>
+            <a:r>
+              <a:rPr lang="en-US" altLang="zh-TW" b="1" dirty="0">
+                <a:solidFill>
+                  <a:schemeClr val="tx1"/>
+                </a:solidFill>
+              </a:rPr>
+              <a:t>(</a:t>
+            </a:r>
+            <a:r>
+              <a:rPr lang="zh-TW" altLang="en-US" b="1" dirty="0">
+                <a:solidFill>
+                  <a:schemeClr val="tx1"/>
+                </a:solidFill>
+              </a:rPr>
+              <a:t>同牌型之間大小相同</a:t>
+            </a:r>
+            <a:r>
+              <a:rPr lang="en-US" altLang="zh-TW" b="1" dirty="0">
+                <a:solidFill>
+                  <a:schemeClr val="tx1"/>
+                </a:solidFill>
+              </a:rPr>
+              <a:t>)</a:t>
+            </a:r>
+          </a:p>
+          <a:p>
             <a:endParaRPr lang="en-US" altLang="zh-TW" b="1" dirty="0">
               <a:solidFill>
                 <a:schemeClr val="tx1"/>
@@ -4046,18 +4056,13 @@
               <a:t>，可額外再得一墩</a:t>
             </a:r>
             <a:r>
-              <a:rPr lang="en-US" altLang="zh-TW" b="1">
+              <a:rPr lang="en-US" altLang="zh-TW" b="1" dirty="0">
                 <a:solidFill>
                   <a:schemeClr val="tx1"/>
                 </a:solidFill>
               </a:rPr>
               <a:t>(+1)</a:t>
             </a:r>
-            <a:endParaRPr lang="en-US" altLang="zh-TW" b="1" dirty="0">
-              <a:solidFill>
-                <a:schemeClr val="tx1"/>
-              </a:solidFill>
-            </a:endParaRPr>
           </a:p>
         </p:txBody>
       </p:sp>

--- a/圖片製作.pptx
+++ b/圖片製作.pptx
@@ -263,7 +263,7 @@
           <a:p>
             <a:fld id="{736941B5-F94D-4F90-B8E7-367B548187DE}" type="datetimeFigureOut">
               <a:rPr lang="zh-TW" altLang="en-US" smtClean="0"/>
-              <a:t>2023/12/24</a:t>
+              <a:t>2023/12/25</a:t>
             </a:fld>
             <a:endParaRPr lang="zh-TW" altLang="en-US"/>
           </a:p>
@@ -461,7 +461,7 @@
           <a:p>
             <a:fld id="{736941B5-F94D-4F90-B8E7-367B548187DE}" type="datetimeFigureOut">
               <a:rPr lang="zh-TW" altLang="en-US" smtClean="0"/>
-              <a:t>2023/12/24</a:t>
+              <a:t>2023/12/25</a:t>
             </a:fld>
             <a:endParaRPr lang="zh-TW" altLang="en-US"/>
           </a:p>
@@ -669,7 +669,7 @@
           <a:p>
             <a:fld id="{736941B5-F94D-4F90-B8E7-367B548187DE}" type="datetimeFigureOut">
               <a:rPr lang="zh-TW" altLang="en-US" smtClean="0"/>
-              <a:t>2023/12/24</a:t>
+              <a:t>2023/12/25</a:t>
             </a:fld>
             <a:endParaRPr lang="zh-TW" altLang="en-US"/>
           </a:p>
@@ -867,7 +867,7 @@
           <a:p>
             <a:fld id="{736941B5-F94D-4F90-B8E7-367B548187DE}" type="datetimeFigureOut">
               <a:rPr lang="zh-TW" altLang="en-US" smtClean="0"/>
-              <a:t>2023/12/24</a:t>
+              <a:t>2023/12/25</a:t>
             </a:fld>
             <a:endParaRPr lang="zh-TW" altLang="en-US"/>
           </a:p>
@@ -1142,7 +1142,7 @@
           <a:p>
             <a:fld id="{736941B5-F94D-4F90-B8E7-367B548187DE}" type="datetimeFigureOut">
               <a:rPr lang="zh-TW" altLang="en-US" smtClean="0"/>
-              <a:t>2023/12/24</a:t>
+              <a:t>2023/12/25</a:t>
             </a:fld>
             <a:endParaRPr lang="zh-TW" altLang="en-US"/>
           </a:p>
@@ -1407,7 +1407,7 @@
           <a:p>
             <a:fld id="{736941B5-F94D-4F90-B8E7-367B548187DE}" type="datetimeFigureOut">
               <a:rPr lang="zh-TW" altLang="en-US" smtClean="0"/>
-              <a:t>2023/12/24</a:t>
+              <a:t>2023/12/25</a:t>
             </a:fld>
             <a:endParaRPr lang="zh-TW" altLang="en-US"/>
           </a:p>
@@ -1819,7 +1819,7 @@
           <a:p>
             <a:fld id="{736941B5-F94D-4F90-B8E7-367B548187DE}" type="datetimeFigureOut">
               <a:rPr lang="zh-TW" altLang="en-US" smtClean="0"/>
-              <a:t>2023/12/24</a:t>
+              <a:t>2023/12/25</a:t>
             </a:fld>
             <a:endParaRPr lang="zh-TW" altLang="en-US"/>
           </a:p>
@@ -1960,7 +1960,7 @@
           <a:p>
             <a:fld id="{736941B5-F94D-4F90-B8E7-367B548187DE}" type="datetimeFigureOut">
               <a:rPr lang="zh-TW" altLang="en-US" smtClean="0"/>
-              <a:t>2023/12/24</a:t>
+              <a:t>2023/12/25</a:t>
             </a:fld>
             <a:endParaRPr lang="zh-TW" altLang="en-US"/>
           </a:p>
@@ -2073,7 +2073,7 @@
           <a:p>
             <a:fld id="{736941B5-F94D-4F90-B8E7-367B548187DE}" type="datetimeFigureOut">
               <a:rPr lang="zh-TW" altLang="en-US" smtClean="0"/>
-              <a:t>2023/12/24</a:t>
+              <a:t>2023/12/25</a:t>
             </a:fld>
             <a:endParaRPr lang="zh-TW" altLang="en-US"/>
           </a:p>
@@ -2384,7 +2384,7 @@
           <a:p>
             <a:fld id="{736941B5-F94D-4F90-B8E7-367B548187DE}" type="datetimeFigureOut">
               <a:rPr lang="zh-TW" altLang="en-US" smtClean="0"/>
-              <a:t>2023/12/24</a:t>
+              <a:t>2023/12/25</a:t>
             </a:fld>
             <a:endParaRPr lang="zh-TW" altLang="en-US"/>
           </a:p>
@@ -2672,7 +2672,7 @@
           <a:p>
             <a:fld id="{736941B5-F94D-4F90-B8E7-367B548187DE}" type="datetimeFigureOut">
               <a:rPr lang="zh-TW" altLang="en-US" smtClean="0"/>
-              <a:t>2023/12/24</a:t>
+              <a:t>2023/12/25</a:t>
             </a:fld>
             <a:endParaRPr lang="zh-TW" altLang="en-US"/>
           </a:p>
@@ -2913,7 +2913,7 @@
           <a:p>
             <a:fld id="{736941B5-F94D-4F90-B8E7-367B548187DE}" type="datetimeFigureOut">
               <a:rPr lang="zh-TW" altLang="en-US" smtClean="0"/>
-              <a:t>2023/12/24</a:t>
+              <a:t>2023/12/25</a:t>
             </a:fld>
             <a:endParaRPr lang="zh-TW" altLang="en-US"/>
           </a:p>
@@ -7793,6 +7793,265 @@
           </a:p>
         </p:txBody>
       </p:sp>
+      <p:sp>
+        <p:nvSpPr>
+          <p:cNvPr id="5" name="橢圓 4">
+            <a:extLst>
+              <a:ext uri="{FF2B5EF4-FFF2-40B4-BE49-F238E27FC236}">
+                <a16:creationId xmlns:a16="http://schemas.microsoft.com/office/drawing/2014/main" id="{AD749583-8412-43BB-825A-8BBA04F86787}"/>
+              </a:ext>
+            </a:extLst>
+          </p:cNvPr>
+          <p:cNvSpPr/>
+          <p:nvPr/>
+        </p:nvSpPr>
+        <p:spPr>
+          <a:xfrm>
+            <a:off x="2039923" y="3837965"/>
+            <a:ext cx="1644242" cy="1644242"/>
+          </a:xfrm>
+          <a:prstGeom prst="ellipse">
+            <a:avLst/>
+          </a:prstGeom>
+        </p:spPr>
+        <p:style>
+          <a:lnRef idx="2">
+            <a:schemeClr val="accent3">
+              <a:shade val="50000"/>
+            </a:schemeClr>
+          </a:lnRef>
+          <a:fillRef idx="1">
+            <a:schemeClr val="accent3"/>
+          </a:fillRef>
+          <a:effectRef idx="0">
+            <a:schemeClr val="accent3"/>
+          </a:effectRef>
+          <a:fontRef idx="minor">
+            <a:schemeClr val="lt1"/>
+          </a:fontRef>
+        </p:style>
+        <p:txBody>
+          <a:bodyPr rtlCol="0" anchor="ctr"/>
+          <a:lstStyle/>
+          <a:p>
+            <a:pPr algn="ctr"/>
+            <a:r>
+              <a:rPr lang="en-US" altLang="zh-TW" sz="3200" b="1" dirty="0">
+                <a:solidFill>
+                  <a:schemeClr val="tx1"/>
+                </a:solidFill>
+              </a:rPr>
+              <a:t>A</a:t>
+            </a:r>
+          </a:p>
+          <a:p>
+            <a:pPr algn="ctr"/>
+            <a:r>
+              <a:rPr lang="en-US" altLang="zh-TW" sz="3200" b="1" dirty="0">
+                <a:solidFill>
+                  <a:schemeClr val="tx1"/>
+                </a:solidFill>
+              </a:rPr>
+              <a:t>(</a:t>
+            </a:r>
+            <a:r>
+              <a:rPr lang="zh-TW" altLang="en-US" sz="3200" b="1" dirty="0">
+                <a:solidFill>
+                  <a:schemeClr val="tx1"/>
+                </a:solidFill>
+              </a:rPr>
+              <a:t>你</a:t>
+            </a:r>
+            <a:r>
+              <a:rPr lang="en-US" altLang="zh-TW" sz="3200" b="1" dirty="0">
+                <a:solidFill>
+                  <a:schemeClr val="tx1"/>
+                </a:solidFill>
+              </a:rPr>
+              <a:t>)</a:t>
+            </a:r>
+            <a:endParaRPr lang="zh-TW" altLang="en-US" b="1" dirty="0">
+              <a:solidFill>
+                <a:schemeClr val="tx1"/>
+              </a:solidFill>
+            </a:endParaRPr>
+          </a:p>
+        </p:txBody>
+      </p:sp>
+      <p:sp>
+        <p:nvSpPr>
+          <p:cNvPr id="6" name="橢圓 5">
+            <a:extLst>
+              <a:ext uri="{FF2B5EF4-FFF2-40B4-BE49-F238E27FC236}">
+                <a16:creationId xmlns:a16="http://schemas.microsoft.com/office/drawing/2014/main" id="{3E152586-6322-467C-9C9D-AA414458C715}"/>
+              </a:ext>
+            </a:extLst>
+          </p:cNvPr>
+          <p:cNvSpPr/>
+          <p:nvPr/>
+        </p:nvSpPr>
+        <p:spPr>
+          <a:xfrm>
+            <a:off x="5118682" y="3981976"/>
+            <a:ext cx="1644242" cy="1644242"/>
+          </a:xfrm>
+          <a:prstGeom prst="ellipse">
+            <a:avLst/>
+          </a:prstGeom>
+        </p:spPr>
+        <p:style>
+          <a:lnRef idx="2">
+            <a:schemeClr val="accent3">
+              <a:shade val="50000"/>
+            </a:schemeClr>
+          </a:lnRef>
+          <a:fillRef idx="1">
+            <a:schemeClr val="accent3"/>
+          </a:fillRef>
+          <a:effectRef idx="0">
+            <a:schemeClr val="accent3"/>
+          </a:effectRef>
+          <a:fontRef idx="minor">
+            <a:schemeClr val="lt1"/>
+          </a:fontRef>
+        </p:style>
+        <p:txBody>
+          <a:bodyPr rtlCol="0" anchor="ctr"/>
+          <a:lstStyle/>
+          <a:p>
+            <a:pPr algn="ctr"/>
+            <a:r>
+              <a:rPr lang="en-US" altLang="zh-TW" sz="3200" b="1" dirty="0">
+                <a:solidFill>
+                  <a:schemeClr val="tx1"/>
+                </a:solidFill>
+              </a:rPr>
+              <a:t>B</a:t>
+            </a:r>
+            <a:endParaRPr lang="zh-TW" altLang="en-US" b="1" dirty="0">
+              <a:solidFill>
+                <a:schemeClr val="tx1"/>
+              </a:solidFill>
+            </a:endParaRPr>
+          </a:p>
+        </p:txBody>
+      </p:sp>
+      <p:sp>
+        <p:nvSpPr>
+          <p:cNvPr id="7" name="橢圓 6">
+            <a:extLst>
+              <a:ext uri="{FF2B5EF4-FFF2-40B4-BE49-F238E27FC236}">
+                <a16:creationId xmlns:a16="http://schemas.microsoft.com/office/drawing/2014/main" id="{080A26BE-F954-4756-8589-8DB097210FDA}"/>
+              </a:ext>
+            </a:extLst>
+          </p:cNvPr>
+          <p:cNvSpPr/>
+          <p:nvPr/>
+        </p:nvSpPr>
+        <p:spPr>
+          <a:xfrm>
+            <a:off x="8197441" y="3159855"/>
+            <a:ext cx="1644242" cy="1644242"/>
+          </a:xfrm>
+          <a:prstGeom prst="ellipse">
+            <a:avLst/>
+          </a:prstGeom>
+        </p:spPr>
+        <p:style>
+          <a:lnRef idx="2">
+            <a:schemeClr val="accent3">
+              <a:shade val="50000"/>
+            </a:schemeClr>
+          </a:lnRef>
+          <a:fillRef idx="1">
+            <a:schemeClr val="accent3"/>
+          </a:fillRef>
+          <a:effectRef idx="0">
+            <a:schemeClr val="accent3"/>
+          </a:effectRef>
+          <a:fontRef idx="minor">
+            <a:schemeClr val="lt1"/>
+          </a:fontRef>
+        </p:style>
+        <p:txBody>
+          <a:bodyPr rtlCol="0" anchor="ctr"/>
+          <a:lstStyle/>
+          <a:p>
+            <a:pPr algn="ctr"/>
+            <a:r>
+              <a:rPr lang="en-US" altLang="zh-TW" sz="3200" b="1" dirty="0">
+                <a:solidFill>
+                  <a:schemeClr val="tx1"/>
+                </a:solidFill>
+              </a:rPr>
+              <a:t>C</a:t>
+            </a:r>
+            <a:endParaRPr lang="zh-TW" altLang="en-US" b="1" dirty="0">
+              <a:solidFill>
+                <a:schemeClr val="tx1"/>
+              </a:solidFill>
+            </a:endParaRPr>
+          </a:p>
+        </p:txBody>
+      </p:sp>
+      <p:sp>
+        <p:nvSpPr>
+          <p:cNvPr id="8" name="橢圓 7">
+            <a:extLst>
+              <a:ext uri="{FF2B5EF4-FFF2-40B4-BE49-F238E27FC236}">
+                <a16:creationId xmlns:a16="http://schemas.microsoft.com/office/drawing/2014/main" id="{2897BA9D-1FDB-4B6F-87A5-BEEE87CCFBF2}"/>
+              </a:ext>
+            </a:extLst>
+          </p:cNvPr>
+          <p:cNvSpPr/>
+          <p:nvPr/>
+        </p:nvSpPr>
+        <p:spPr>
+          <a:xfrm>
+            <a:off x="7733251" y="4943916"/>
+            <a:ext cx="1644242" cy="1644242"/>
+          </a:xfrm>
+          <a:prstGeom prst="ellipse">
+            <a:avLst/>
+          </a:prstGeom>
+        </p:spPr>
+        <p:style>
+          <a:lnRef idx="2">
+            <a:schemeClr val="accent3">
+              <a:shade val="50000"/>
+            </a:schemeClr>
+          </a:lnRef>
+          <a:fillRef idx="1">
+            <a:schemeClr val="accent3"/>
+          </a:fillRef>
+          <a:effectRef idx="0">
+            <a:schemeClr val="accent3"/>
+          </a:effectRef>
+          <a:fontRef idx="minor">
+            <a:schemeClr val="lt1"/>
+          </a:fontRef>
+        </p:style>
+        <p:txBody>
+          <a:bodyPr rtlCol="0" anchor="ctr"/>
+          <a:lstStyle/>
+          <a:p>
+            <a:pPr algn="ctr"/>
+            <a:r>
+              <a:rPr lang="en-US" altLang="zh-TW" sz="3200" b="1" dirty="0">
+                <a:solidFill>
+                  <a:schemeClr val="tx1"/>
+                </a:solidFill>
+              </a:rPr>
+              <a:t>D</a:t>
+            </a:r>
+            <a:endParaRPr lang="zh-TW" altLang="en-US" b="1" dirty="0">
+              <a:solidFill>
+                <a:schemeClr val="tx1"/>
+              </a:solidFill>
+            </a:endParaRPr>
+          </a:p>
+        </p:txBody>
+      </p:sp>
     </p:spTree>
     <p:extLst>
       <p:ext uri="{BB962C8B-B14F-4D97-AF65-F5344CB8AC3E}">

--- a/圖片製作.pptx
+++ b/圖片製作.pptx
@@ -263,7 +263,7 @@
           <a:p>
             <a:fld id="{736941B5-F94D-4F90-B8E7-367B548187DE}" type="datetimeFigureOut">
               <a:rPr lang="zh-TW" altLang="en-US" smtClean="0"/>
-              <a:t>2023/12/25</a:t>
+              <a:t>2023/12/26</a:t>
             </a:fld>
             <a:endParaRPr lang="zh-TW" altLang="en-US"/>
           </a:p>
@@ -461,7 +461,7 @@
           <a:p>
             <a:fld id="{736941B5-F94D-4F90-B8E7-367B548187DE}" type="datetimeFigureOut">
               <a:rPr lang="zh-TW" altLang="en-US" smtClean="0"/>
-              <a:t>2023/12/25</a:t>
+              <a:t>2023/12/26</a:t>
             </a:fld>
             <a:endParaRPr lang="zh-TW" altLang="en-US"/>
           </a:p>
@@ -669,7 +669,7 @@
           <a:p>
             <a:fld id="{736941B5-F94D-4F90-B8E7-367B548187DE}" type="datetimeFigureOut">
               <a:rPr lang="zh-TW" altLang="en-US" smtClean="0"/>
-              <a:t>2023/12/25</a:t>
+              <a:t>2023/12/26</a:t>
             </a:fld>
             <a:endParaRPr lang="zh-TW" altLang="en-US"/>
           </a:p>
@@ -867,7 +867,7 @@
           <a:p>
             <a:fld id="{736941B5-F94D-4F90-B8E7-367B548187DE}" type="datetimeFigureOut">
               <a:rPr lang="zh-TW" altLang="en-US" smtClean="0"/>
-              <a:t>2023/12/25</a:t>
+              <a:t>2023/12/26</a:t>
             </a:fld>
             <a:endParaRPr lang="zh-TW" altLang="en-US"/>
           </a:p>
@@ -1142,7 +1142,7 @@
           <a:p>
             <a:fld id="{736941B5-F94D-4F90-B8E7-367B548187DE}" type="datetimeFigureOut">
               <a:rPr lang="zh-TW" altLang="en-US" smtClean="0"/>
-              <a:t>2023/12/25</a:t>
+              <a:t>2023/12/26</a:t>
             </a:fld>
             <a:endParaRPr lang="zh-TW" altLang="en-US"/>
           </a:p>
@@ -1407,7 +1407,7 @@
           <a:p>
             <a:fld id="{736941B5-F94D-4F90-B8E7-367B548187DE}" type="datetimeFigureOut">
               <a:rPr lang="zh-TW" altLang="en-US" smtClean="0"/>
-              <a:t>2023/12/25</a:t>
+              <a:t>2023/12/26</a:t>
             </a:fld>
             <a:endParaRPr lang="zh-TW" altLang="en-US"/>
           </a:p>
@@ -1819,7 +1819,7 @@
           <a:p>
             <a:fld id="{736941B5-F94D-4F90-B8E7-367B548187DE}" type="datetimeFigureOut">
               <a:rPr lang="zh-TW" altLang="en-US" smtClean="0"/>
-              <a:t>2023/12/25</a:t>
+              <a:t>2023/12/26</a:t>
             </a:fld>
             <a:endParaRPr lang="zh-TW" altLang="en-US"/>
           </a:p>
@@ -1960,7 +1960,7 @@
           <a:p>
             <a:fld id="{736941B5-F94D-4F90-B8E7-367B548187DE}" type="datetimeFigureOut">
               <a:rPr lang="zh-TW" altLang="en-US" smtClean="0"/>
-              <a:t>2023/12/25</a:t>
+              <a:t>2023/12/26</a:t>
             </a:fld>
             <a:endParaRPr lang="zh-TW" altLang="en-US"/>
           </a:p>
@@ -2073,7 +2073,7 @@
           <a:p>
             <a:fld id="{736941B5-F94D-4F90-B8E7-367B548187DE}" type="datetimeFigureOut">
               <a:rPr lang="zh-TW" altLang="en-US" smtClean="0"/>
-              <a:t>2023/12/25</a:t>
+              <a:t>2023/12/26</a:t>
             </a:fld>
             <a:endParaRPr lang="zh-TW" altLang="en-US"/>
           </a:p>
@@ -2384,7 +2384,7 @@
           <a:p>
             <a:fld id="{736941B5-F94D-4F90-B8E7-367B548187DE}" type="datetimeFigureOut">
               <a:rPr lang="zh-TW" altLang="en-US" smtClean="0"/>
-              <a:t>2023/12/25</a:t>
+              <a:t>2023/12/26</a:t>
             </a:fld>
             <a:endParaRPr lang="zh-TW" altLang="en-US"/>
           </a:p>
@@ -2672,7 +2672,7 @@
           <a:p>
             <a:fld id="{736941B5-F94D-4F90-B8E7-367B548187DE}" type="datetimeFigureOut">
               <a:rPr lang="zh-TW" altLang="en-US" smtClean="0"/>
-              <a:t>2023/12/25</a:t>
+              <a:t>2023/12/26</a:t>
             </a:fld>
             <a:endParaRPr lang="zh-TW" altLang="en-US"/>
           </a:p>
@@ -2913,7 +2913,7 @@
           <a:p>
             <a:fld id="{736941B5-F94D-4F90-B8E7-367B548187DE}" type="datetimeFigureOut">
               <a:rPr lang="zh-TW" altLang="en-US" smtClean="0"/>
-              <a:t>2023/12/25</a:t>
+              <a:t>2023/12/26</a:t>
             </a:fld>
             <a:endParaRPr lang="zh-TW" altLang="en-US"/>
           </a:p>
@@ -8052,6 +8052,75 @@
           </a:p>
         </p:txBody>
       </p:sp>
+      <p:sp>
+        <p:nvSpPr>
+          <p:cNvPr id="9" name="橢圓 8">
+            <a:extLst>
+              <a:ext uri="{FF2B5EF4-FFF2-40B4-BE49-F238E27FC236}">
+                <a16:creationId xmlns:a16="http://schemas.microsoft.com/office/drawing/2014/main" id="{2ADE0B40-B279-49FE-AA91-71AAD34F8E05}"/>
+              </a:ext>
+            </a:extLst>
+          </p:cNvPr>
+          <p:cNvSpPr/>
+          <p:nvPr/>
+        </p:nvSpPr>
+        <p:spPr>
+          <a:xfrm>
+            <a:off x="2962013" y="2122414"/>
+            <a:ext cx="1644242" cy="1644242"/>
+          </a:xfrm>
+          <a:prstGeom prst="ellipse">
+            <a:avLst/>
+          </a:prstGeom>
+          <a:solidFill>
+            <a:schemeClr val="accent3">
+              <a:lumMod val="20000"/>
+              <a:lumOff val="80000"/>
+            </a:schemeClr>
+          </a:solidFill>
+          <a:ln>
+            <a:solidFill>
+              <a:schemeClr val="tx1"/>
+            </a:solidFill>
+          </a:ln>
+        </p:spPr>
+        <p:style>
+          <a:lnRef idx="2">
+            <a:schemeClr val="accent4">
+              <a:shade val="50000"/>
+            </a:schemeClr>
+          </a:lnRef>
+          <a:fillRef idx="1">
+            <a:schemeClr val="accent4"/>
+          </a:fillRef>
+          <a:effectRef idx="0">
+            <a:schemeClr val="accent4"/>
+          </a:effectRef>
+          <a:fontRef idx="minor">
+            <a:schemeClr val="lt1"/>
+          </a:fontRef>
+        </p:style>
+        <p:txBody>
+          <a:bodyPr rtlCol="0" anchor="ctr"/>
+          <a:lstStyle/>
+          <a:p>
+            <a:pPr algn="ctr"/>
+            <a:r>
+              <a:rPr lang="zh-TW" altLang="en-US" sz="3200" b="1" dirty="0">
+                <a:solidFill>
+                  <a:schemeClr val="tx1"/>
+                </a:solidFill>
+              </a:rPr>
+              <a:t>重新挑戰</a:t>
+            </a:r>
+            <a:endParaRPr lang="zh-TW" altLang="en-US" b="1" dirty="0">
+              <a:solidFill>
+                <a:schemeClr val="tx1"/>
+              </a:solidFill>
+            </a:endParaRPr>
+          </a:p>
+        </p:txBody>
+      </p:sp>
     </p:spTree>
     <p:extLst>
       <p:ext uri="{BB962C8B-B14F-4D97-AF65-F5344CB8AC3E}">
